--- a/doc/Team11_Presentation.pptx
+++ b/doc/Team11_Presentation.pptx
@@ -12,6 +12,7 @@
     <p:sldId id="260" r:id="rId6"/>
     <p:sldId id="261" r:id="rId7"/>
     <p:sldId id="262" r:id="rId8"/>
+    <p:sldId id="263" r:id="rId9"/>
   </p:sldIdLst>
   <p:sldSz cx="12192000" cy="6858000"/>
   <p:notesSz cx="6858000" cy="9144000"/>
@@ -110,6 +111,11 @@
       </a:defRPr>
     </a:lvl9pPr>
   </p:defaultTextStyle>
+  <p:extLst>
+    <p:ext uri="{EFAFB233-063F-42B5-8137-9DF3F51BA10A}">
+      <p15:sldGuideLst xmlns:p15="http://schemas.microsoft.com/office/powerpoint/2012/main"/>
+    </p:ext>
+  </p:extLst>
 </p:presentation>
 </file>
 
@@ -3817,7 +3823,7 @@
           <p:nvPr>
             <p:extLst>
               <p:ext uri="{D42A27DB-BD31-4B8C-83A1-F6EECF244321}">
-                <p14:modId xmlns:p14="http://schemas.microsoft.com/office/powerpoint/2010/main" val="59576245"/>
+                <p14:modId xmlns:p14="http://schemas.microsoft.com/office/powerpoint/2010/main" val="1909698307"/>
               </p:ext>
             </p:extLst>
           </p:nvPr>
@@ -3843,10 +3849,10 @@
                     <a:lstStyle/>
                     <a:p>
                       <a:r>
-                        <a:rPr lang="en-US" dirty="0" smtClean="0"/>
+                        <a:rPr lang="en-US" i="0" dirty="0" smtClean="0"/>
                         <a:t>Structure</a:t>
                       </a:r>
-                      <a:endParaRPr lang="en-US" dirty="0"/>
+                      <a:endParaRPr lang="en-US" i="0" dirty="0"/>
                     </a:p>
                   </a:txBody>
                   <a:tcPr/>
@@ -3857,14 +3863,14 @@
                     <a:lstStyle/>
                     <a:p>
                       <a:r>
-                        <a:rPr lang="en-US" dirty="0" smtClean="0"/>
+                        <a:rPr lang="en-US" i="0" dirty="0" smtClean="0"/>
                         <a:t>AH-J</a:t>
                       </a:r>
                       <a:r>
-                        <a:rPr lang="en-US" baseline="0" dirty="0" smtClean="0"/>
+                        <a:rPr lang="en-US" i="0" baseline="0" dirty="0" smtClean="0"/>
                         <a:t> Syntax</a:t>
                       </a:r>
-                      <a:endParaRPr lang="en-US" dirty="0"/>
+                      <a:endParaRPr lang="en-US" i="0" dirty="0"/>
                     </a:p>
                   </a:txBody>
                   <a:tcPr/>
@@ -3889,20 +3895,20 @@
                         </a:rPr>
                         <a:t>Program opening block,</a:t>
                       </a:r>
-                      <a:endParaRPr lang="en-US" b="0" dirty="0" smtClean="0">
+                      <a:endParaRPr lang="en-US" b="0" i="0" dirty="0" smtClean="0">
                         <a:effectLst/>
                       </a:endParaRPr>
                     </a:p>
                     <a:p>
                       <a:pPr rtl="0"/>
                       <a:r>
-                        <a:rPr lang="en-US" b="0" dirty="0" smtClean="0">
+                        <a:rPr lang="en-US" b="0" i="0" dirty="0" smtClean="0">
                           <a:effectLst/>
                         </a:rPr>
                         <a:t/>
                       </a:r>
                       <a:br>
-                        <a:rPr lang="en-US" b="0" dirty="0" smtClean="0">
+                        <a:rPr lang="en-US" b="0" i="0" dirty="0" smtClean="0">
                           <a:effectLst/>
                         </a:rPr>
                       </a:br>
@@ -3918,20 +3924,20 @@
                         </a:rPr>
                         <a:t>Open body code block</a:t>
                       </a:r>
-                      <a:endParaRPr lang="en-US" b="0" dirty="0" smtClean="0">
+                      <a:endParaRPr lang="en-US" b="0" i="0" dirty="0" smtClean="0">
                         <a:effectLst/>
                       </a:endParaRPr>
                     </a:p>
                     <a:p>
                       <a:pPr rtl="0"/>
                       <a:r>
-                        <a:rPr lang="en-US" b="0" dirty="0" smtClean="0">
+                        <a:rPr lang="en-US" b="0" i="0" dirty="0" smtClean="0">
                           <a:effectLst/>
                         </a:rPr>
                         <a:t/>
                       </a:r>
                       <a:br>
-                        <a:rPr lang="en-US" b="0" dirty="0" smtClean="0">
+                        <a:rPr lang="en-US" b="0" i="0" dirty="0" smtClean="0">
                           <a:effectLst/>
                         </a:rPr>
                       </a:br>
@@ -3947,7 +3953,7 @@
                         </a:rPr>
                         <a:t>Declaration</a:t>
                       </a:r>
-                      <a:endParaRPr lang="en-US" b="0" dirty="0" smtClean="0">
+                      <a:endParaRPr lang="en-US" b="0" i="0" dirty="0" smtClean="0">
                         <a:effectLst/>
                       </a:endParaRPr>
                     </a:p>
@@ -3965,7 +3971,7 @@
                         </a:rPr>
                         <a:t>Command</a:t>
                       </a:r>
-                      <a:endParaRPr lang="en-US" b="0" dirty="0" smtClean="0">
+                      <a:endParaRPr lang="en-US" b="0" i="0" dirty="0" smtClean="0">
                         <a:effectLst/>
                       </a:endParaRPr>
                     </a:p>
@@ -3983,20 +3989,26 @@
                         </a:rPr>
                         <a:t>Command</a:t>
                       </a:r>
-                      <a:endParaRPr lang="en-US" b="0" dirty="0" smtClean="0">
+                      <a:endParaRPr lang="en-US" b="0" i="0" dirty="0" smtClean="0">
                         <a:effectLst/>
                       </a:endParaRPr>
                     </a:p>
                     <a:p>
                       <a:pPr rtl="0"/>
-                      <a:r>
-                        <a:rPr lang="en-US" b="0" dirty="0" smtClean="0">
+                      <a:endParaRPr lang="en-US" b="0" i="0" dirty="0" smtClean="0">
+                        <a:effectLst/>
+                      </a:endParaRPr>
+                    </a:p>
+                    <a:p>
+                      <a:pPr rtl="0"/>
+                      <a:r>
+                        <a:rPr lang="en-US" b="0" i="0" dirty="0" smtClean="0">
                           <a:effectLst/>
                         </a:rPr>
                         <a:t/>
                       </a:r>
                       <a:br>
-                        <a:rPr lang="en-US" b="0" dirty="0" smtClean="0">
+                        <a:rPr lang="en-US" b="0" i="0" dirty="0" smtClean="0">
                           <a:effectLst/>
                         </a:rPr>
                       </a:br>
@@ -4012,20 +4024,20 @@
                         </a:rPr>
                         <a:t>Close body code block</a:t>
                       </a:r>
-                      <a:endParaRPr lang="en-US" b="0" dirty="0" smtClean="0">
+                      <a:endParaRPr lang="en-US" b="0" i="0" dirty="0" smtClean="0">
                         <a:effectLst/>
                       </a:endParaRPr>
                     </a:p>
                     <a:p>
                       <a:pPr rtl="0"/>
                       <a:r>
-                        <a:rPr lang="en-US" b="0" dirty="0" smtClean="0">
+                        <a:rPr lang="en-US" b="0" i="0" dirty="0" smtClean="0">
                           <a:effectLst/>
                         </a:rPr>
                         <a:t/>
                       </a:r>
                       <a:br>
-                        <a:rPr lang="en-US" b="0" dirty="0" smtClean="0">
+                        <a:rPr lang="en-US" b="0" i="0" dirty="0" smtClean="0">
                           <a:effectLst/>
                         </a:rPr>
                       </a:br>
@@ -4041,7 +4053,7 @@
                         </a:rPr>
                         <a:t>Program closing block.</a:t>
                       </a:r>
-                      <a:endParaRPr lang="en-US" b="0" dirty="0" smtClean="0">
+                      <a:endParaRPr lang="en-US" b="0" i="0" dirty="0" smtClean="0">
                         <a:effectLst/>
                       </a:endParaRPr>
                     </a:p>
@@ -4055,7 +4067,7 @@
                     <a:p>
                       <a:pPr rtl="0"/>
                       <a:r>
-                        <a:rPr lang="en-US" sz="1800" b="0" i="1" u="none" strike="noStrike" kern="1200" dirty="0" smtClean="0">
+                        <a:rPr lang="en-US" sz="1800" b="0" i="0" u="none" strike="noStrike" kern="1200" dirty="0" smtClean="0">
                           <a:solidFill>
                             <a:schemeClr val="dk1"/>
                           </a:solidFill>
@@ -4067,7 +4079,7 @@
                         <a:t>Salutations </a:t>
                       </a:r>
                       <a:r>
-                        <a:rPr lang="en-US" sz="1800" b="0" i="1" u="none" strike="noStrike" kern="1200" dirty="0" err="1" smtClean="0">
+                        <a:rPr lang="en-US" sz="1800" b="0" i="0" u="none" strike="noStrike" kern="1200" dirty="0" err="1" smtClean="0">
                           <a:solidFill>
                             <a:schemeClr val="dk1"/>
                           </a:solidFill>
@@ -4079,7 +4091,7 @@
                         <a:t>Xiangyu</a:t>
                       </a:r>
                       <a:r>
-                        <a:rPr lang="en-US" sz="1800" b="0" i="1" u="none" strike="noStrike" kern="1200" dirty="0" smtClean="0">
+                        <a:rPr lang="en-US" sz="1800" b="0" i="0" u="none" strike="noStrike" kern="1200" dirty="0" smtClean="0">
                           <a:solidFill>
                             <a:schemeClr val="dk1"/>
                           </a:solidFill>
@@ -4090,25 +4102,25 @@
                         </a:rPr>
                         <a:t>, </a:t>
                       </a:r>
-                      <a:endParaRPr lang="en-US" b="0" dirty="0" smtClean="0">
+                      <a:endParaRPr lang="en-US" b="0" i="0" dirty="0" smtClean="0">
                         <a:effectLst/>
                       </a:endParaRPr>
                     </a:p>
                     <a:p>
                       <a:pPr rtl="0"/>
                       <a:r>
-                        <a:rPr lang="en-US" b="0" dirty="0" smtClean="0">
+                        <a:rPr lang="en-US" b="0" i="0" dirty="0" smtClean="0">
                           <a:effectLst/>
                         </a:rPr>
                         <a:t/>
                       </a:r>
                       <a:br>
-                        <a:rPr lang="en-US" b="0" dirty="0" smtClean="0">
+                        <a:rPr lang="en-US" b="0" i="0" dirty="0" smtClean="0">
                           <a:effectLst/>
                         </a:rPr>
                       </a:br>
                       <a:r>
-                        <a:rPr lang="en-US" sz="1800" b="0" i="1" u="none" strike="noStrike" kern="1200" dirty="0" smtClean="0">
+                        <a:rPr lang="en-US" sz="1800" b="0" i="0" u="none" strike="noStrike" kern="1200" dirty="0" smtClean="0">
                           <a:solidFill>
                             <a:schemeClr val="dk1"/>
                           </a:solidFill>
@@ -4119,25 +4131,25 @@
                         </a:rPr>
                         <a:t>   Would you mind doing the following:</a:t>
                       </a:r>
-                      <a:endParaRPr lang="en-US" b="0" dirty="0" smtClean="0">
+                      <a:endParaRPr lang="en-US" b="0" i="0" dirty="0" smtClean="0">
                         <a:effectLst/>
                       </a:endParaRPr>
                     </a:p>
                     <a:p>
                       <a:pPr rtl="0"/>
                       <a:r>
-                        <a:rPr lang="en-US" b="0" dirty="0" smtClean="0">
+                        <a:rPr lang="en-US" b="0" i="0" dirty="0" smtClean="0">
                           <a:effectLst/>
                         </a:rPr>
                         <a:t/>
                       </a:r>
                       <a:br>
-                        <a:rPr lang="en-US" b="0" dirty="0" smtClean="0">
+                        <a:rPr lang="en-US" b="0" i="0" dirty="0" smtClean="0">
                           <a:effectLst/>
                         </a:rPr>
                       </a:br>
                       <a:r>
-                        <a:rPr lang="en-US" sz="1800" b="0" i="1" u="none" strike="noStrike" kern="1200" dirty="0" smtClean="0">
+                        <a:rPr lang="en-US" sz="1800" b="0" i="0" u="none" strike="noStrike" kern="1200" dirty="0" smtClean="0">
                           <a:solidFill>
                             <a:schemeClr val="dk1"/>
                           </a:solidFill>
@@ -4148,14 +4160,14 @@
                         </a:rPr>
                         <a:t>       Create the variable n.</a:t>
                       </a:r>
-                      <a:endParaRPr lang="en-US" b="0" dirty="0" smtClean="0">
+                      <a:endParaRPr lang="en-US" b="0" i="0" dirty="0" smtClean="0">
                         <a:effectLst/>
                       </a:endParaRPr>
                     </a:p>
                     <a:p>
                       <a:pPr rtl="0"/>
                       <a:r>
-                        <a:rPr lang="en-US" sz="1800" b="0" i="1" u="none" strike="noStrike" kern="1200" dirty="0" smtClean="0">
+                        <a:rPr lang="en-US" sz="1800" b="0" i="0" u="none" strike="noStrike" kern="1200" dirty="0" smtClean="0">
                           <a:solidFill>
                             <a:schemeClr val="dk1"/>
                           </a:solidFill>
@@ -4166,14 +4178,14 @@
                         </a:rPr>
                         <a:t>       Assign the integer n to the value of 1.</a:t>
                       </a:r>
-                      <a:endParaRPr lang="en-US" b="0" dirty="0" smtClean="0">
+                      <a:endParaRPr lang="en-US" b="0" i="0" dirty="0" smtClean="0">
                         <a:effectLst/>
                       </a:endParaRPr>
                     </a:p>
                     <a:p>
                       <a:pPr rtl="0"/>
                       <a:r>
-                        <a:rPr lang="en-US" sz="1800" b="0" i="1" u="none" strike="noStrike" kern="1200" dirty="0" smtClean="0">
+                        <a:rPr lang="en-US" sz="1800" b="0" i="0" u="none" strike="noStrike" kern="1200" dirty="0" smtClean="0">
                           <a:solidFill>
                             <a:schemeClr val="dk1"/>
                           </a:solidFill>
@@ -4185,7 +4197,7 @@
                         <a:t>       Assign the integer n to the value of n</a:t>
                       </a:r>
                       <a:r>
-                        <a:rPr lang="en-US" sz="1800" b="0" i="1" u="none" strike="noStrike" kern="1200" baseline="0" dirty="0" smtClean="0">
+                        <a:rPr lang="en-US" sz="1800" b="0" i="0" u="none" strike="noStrike" kern="1200" baseline="0" dirty="0" smtClean="0">
                           <a:solidFill>
                             <a:schemeClr val="dk1"/>
                           </a:solidFill>
@@ -4200,7 +4212,7 @@
                     <a:p>
                       <a:pPr rtl="0"/>
                       <a:r>
-                        <a:rPr lang="en-US" sz="1800" b="0" i="1" u="none" strike="noStrike" kern="1200" dirty="0" smtClean="0">
+                        <a:rPr lang="en-US" sz="1800" b="0" i="0" u="none" strike="noStrike" kern="1200" dirty="0" smtClean="0">
                           <a:solidFill>
                             <a:schemeClr val="dk1"/>
                           </a:solidFill>
@@ -4211,25 +4223,25 @@
                         </a:rPr>
                         <a:t>           + 3.</a:t>
                       </a:r>
-                      <a:endParaRPr lang="en-US" b="0" dirty="0" smtClean="0">
+                      <a:endParaRPr lang="en-US" b="0" i="0" dirty="0" smtClean="0">
                         <a:effectLst/>
                       </a:endParaRPr>
                     </a:p>
                     <a:p>
                       <a:pPr rtl="0"/>
                       <a:r>
-                        <a:rPr lang="en-US" b="0" dirty="0" smtClean="0">
+                        <a:rPr lang="en-US" b="0" i="0" dirty="0" smtClean="0">
                           <a:effectLst/>
                         </a:rPr>
                         <a:t/>
                       </a:r>
                       <a:br>
-                        <a:rPr lang="en-US" b="0" dirty="0" smtClean="0">
+                        <a:rPr lang="en-US" b="0" i="0" dirty="0" smtClean="0">
                           <a:effectLst/>
                         </a:rPr>
                       </a:br>
                       <a:r>
-                        <a:rPr lang="en-US" sz="1800" b="0" i="1" u="none" strike="noStrike" kern="1200" dirty="0" smtClean="0">
+                        <a:rPr lang="en-US" sz="1800" b="0" i="0" u="none" strike="noStrike" kern="1200" dirty="0" smtClean="0">
                           <a:solidFill>
                             <a:schemeClr val="dk1"/>
                           </a:solidFill>
@@ -4240,25 +4252,25 @@
                         </a:rPr>
                         <a:t>   Thank you.</a:t>
                       </a:r>
-                      <a:endParaRPr lang="en-US" b="0" dirty="0" smtClean="0">
+                      <a:endParaRPr lang="en-US" b="0" i="0" dirty="0" smtClean="0">
                         <a:effectLst/>
                       </a:endParaRPr>
                     </a:p>
                     <a:p>
                       <a:pPr rtl="0"/>
                       <a:r>
-                        <a:rPr lang="en-US" b="0" dirty="0" smtClean="0">
+                        <a:rPr lang="en-US" b="0" i="0" dirty="0" smtClean="0">
                           <a:effectLst/>
                         </a:rPr>
                         <a:t/>
                       </a:r>
                       <a:br>
-                        <a:rPr lang="en-US" b="0" dirty="0" smtClean="0">
+                        <a:rPr lang="en-US" b="0" i="0" dirty="0" smtClean="0">
                           <a:effectLst/>
                         </a:rPr>
                       </a:br>
                       <a:r>
-                        <a:rPr lang="en-US" sz="1800" b="0" i="1" u="none" strike="noStrike" kern="1200" dirty="0" smtClean="0">
+                        <a:rPr lang="en-US" sz="1800" b="0" i="0" u="none" strike="noStrike" kern="1200" dirty="0" smtClean="0">
                           <a:solidFill>
                             <a:schemeClr val="dk1"/>
                           </a:solidFill>
@@ -4269,7 +4281,7 @@
                         </a:rPr>
                         <a:t>Sincerely, Ajay Bansal</a:t>
                       </a:r>
-                      <a:endParaRPr lang="en-US" b="0" dirty="0" smtClean="0">
+                      <a:endParaRPr lang="en-US" b="0" i="0" dirty="0" smtClean="0">
                         <a:effectLst/>
                       </a:endParaRPr>
                     </a:p>
@@ -4373,7 +4385,11 @@
               <a:t>The grammar of </a:t>
             </a:r>
             <a:r>
-              <a:rPr lang="en-US" b="1" dirty="0"/>
+              <a:rPr lang="en-US" b="1" dirty="0">
+                <a:solidFill>
+                  <a:srgbClr val="FF0000"/>
+                </a:solidFill>
+              </a:rPr>
               <a:t>AH-J</a:t>
             </a:r>
             <a:r>
@@ -4441,7 +4457,7 @@
           <p:nvPr>
             <p:extLst>
               <p:ext uri="{D42A27DB-BD31-4B8C-83A1-F6EECF244321}">
-                <p14:modId xmlns:p14="http://schemas.microsoft.com/office/powerpoint/2010/main" val="978765461"/>
+                <p14:modId xmlns:p14="http://schemas.microsoft.com/office/powerpoint/2010/main" val="1841831446"/>
               </p:ext>
             </p:extLst>
           </p:nvPr>
@@ -4467,14 +4483,14 @@
                     <a:lstStyle/>
                     <a:p>
                       <a:r>
-                        <a:rPr lang="en-US" dirty="0" smtClean="0"/>
+                        <a:rPr lang="en-US" i="0" dirty="0" smtClean="0"/>
                         <a:t>AH-J</a:t>
                       </a:r>
                       <a:r>
-                        <a:rPr lang="en-US" baseline="0" dirty="0" smtClean="0"/>
+                        <a:rPr lang="en-US" i="0" baseline="0" dirty="0" smtClean="0"/>
                         <a:t> Syntax</a:t>
                       </a:r>
-                      <a:endParaRPr lang="en-US" dirty="0"/>
+                      <a:endParaRPr lang="en-US" i="0" dirty="0"/>
                     </a:p>
                   </a:txBody>
                   <a:tcPr/>
@@ -4485,10 +4501,10 @@
                     <a:lstStyle/>
                     <a:p>
                       <a:r>
-                        <a:rPr lang="en-US" dirty="0" smtClean="0"/>
+                        <a:rPr lang="en-US" i="0" dirty="0" smtClean="0"/>
                         <a:t>Code Comparison</a:t>
                       </a:r>
-                      <a:endParaRPr lang="en-US" dirty="0"/>
+                      <a:endParaRPr lang="en-US" i="0" dirty="0"/>
                     </a:p>
                   </a:txBody>
                   <a:tcPr/>
@@ -4502,7 +4518,7 @@
                     <a:p>
                       <a:pPr rtl="0"/>
                       <a:r>
-                        <a:rPr lang="en-US" sz="1800" b="0" i="1" u="none" strike="noStrike" kern="1200" dirty="0" smtClean="0">
+                        <a:rPr lang="en-US" sz="1800" b="0" i="0" u="none" strike="noStrike" kern="1200" dirty="0" smtClean="0">
                           <a:solidFill>
                             <a:schemeClr val="dk1"/>
                           </a:solidFill>
@@ -4514,7 +4530,7 @@
                         <a:t>Salutations </a:t>
                       </a:r>
                       <a:r>
-                        <a:rPr lang="en-US" sz="1800" b="0" i="1" u="none" strike="noStrike" kern="1200" dirty="0" err="1" smtClean="0">
+                        <a:rPr lang="en-US" sz="1800" b="0" i="0" u="none" strike="noStrike" kern="1200" dirty="0" err="1" smtClean="0">
                           <a:solidFill>
                             <a:schemeClr val="dk1"/>
                           </a:solidFill>
@@ -4526,7 +4542,7 @@
                         <a:t>Xiangyu</a:t>
                       </a:r>
                       <a:r>
-                        <a:rPr lang="en-US" sz="1800" b="0" i="1" u="none" strike="noStrike" kern="1200" dirty="0" smtClean="0">
+                        <a:rPr lang="en-US" sz="1800" b="0" i="0" u="none" strike="noStrike" kern="1200" dirty="0" smtClean="0">
                           <a:solidFill>
                             <a:schemeClr val="dk1"/>
                           </a:solidFill>
@@ -4537,14 +4553,14 @@
                         </a:rPr>
                         <a:t>, </a:t>
                       </a:r>
-                      <a:endParaRPr lang="en-US" b="0" dirty="0" smtClean="0">
+                      <a:endParaRPr lang="en-US" b="0" i="0" dirty="0" smtClean="0">
                         <a:effectLst/>
                       </a:endParaRPr>
                     </a:p>
                     <a:p>
                       <a:pPr rtl="0"/>
                       <a:r>
-                        <a:rPr lang="en-US" sz="1800" b="0" i="1" u="none" strike="noStrike" kern="1200" dirty="0" smtClean="0">
+                        <a:rPr lang="en-US" sz="1800" b="0" i="0" u="none" strike="noStrike" kern="1200" dirty="0" smtClean="0">
                           <a:solidFill>
                             <a:schemeClr val="dk1"/>
                           </a:solidFill>
@@ -4555,14 +4571,14 @@
                         </a:rPr>
                         <a:t>   Would you mind doing the following:</a:t>
                       </a:r>
-                      <a:endParaRPr lang="en-US" b="0" dirty="0" smtClean="0">
+                      <a:endParaRPr lang="en-US" b="0" i="0" dirty="0" smtClean="0">
                         <a:effectLst/>
                       </a:endParaRPr>
                     </a:p>
                     <a:p>
                       <a:pPr rtl="0"/>
                       <a:r>
-                        <a:rPr lang="en-US" sz="1800" b="0" i="1" u="none" strike="noStrike" kern="1200" dirty="0" smtClean="0">
+                        <a:rPr lang="en-US" sz="1800" b="0" i="0" u="none" strike="noStrike" kern="1200" dirty="0" smtClean="0">
                           <a:solidFill>
                             <a:schemeClr val="dk1"/>
                           </a:solidFill>
@@ -4573,14 +4589,14 @@
                         </a:rPr>
                         <a:t>       Create the variable soft.</a:t>
                       </a:r>
-                      <a:endParaRPr lang="en-US" b="0" dirty="0" smtClean="0">
+                      <a:endParaRPr lang="en-US" b="0" i="0" dirty="0" smtClean="0">
                         <a:effectLst/>
                       </a:endParaRPr>
                     </a:p>
                     <a:p>
                       <a:pPr rtl="0"/>
                       <a:r>
-                        <a:rPr lang="en-US" sz="1800" b="0" i="1" u="none" strike="noStrike" kern="1200" dirty="0" smtClean="0">
+                        <a:rPr lang="en-US" sz="1800" b="0" i="0" u="none" strike="noStrike" kern="1200" dirty="0" smtClean="0">
                           <a:solidFill>
                             <a:schemeClr val="dk1"/>
                           </a:solidFill>
@@ -4592,7 +4608,7 @@
                         <a:t>       Assign the </a:t>
                       </a:r>
                       <a:r>
-                        <a:rPr lang="en-US" sz="1800" b="0" i="1" u="none" strike="noStrike" kern="1200" dirty="0" err="1" smtClean="0">
+                        <a:rPr lang="en-US" sz="1800" b="0" i="0" u="none" strike="noStrike" kern="1200" dirty="0" err="1" smtClean="0">
                           <a:solidFill>
                             <a:schemeClr val="dk1"/>
                           </a:solidFill>
@@ -4604,7 +4620,7 @@
                         <a:t>boolean</a:t>
                       </a:r>
                       <a:r>
-                        <a:rPr lang="en-US" sz="1800" b="0" i="1" u="none" strike="noStrike" kern="1200" dirty="0" smtClean="0">
+                        <a:rPr lang="en-US" sz="1800" b="0" i="0" u="none" strike="noStrike" kern="1200" dirty="0" smtClean="0">
                           <a:solidFill>
                             <a:schemeClr val="dk1"/>
                           </a:solidFill>
@@ -4616,7 +4632,7 @@
                         <a:t> </a:t>
                       </a:r>
                       <a:r>
-                        <a:rPr lang="en-US" sz="1800" b="0" i="1" u="none" strike="noStrike" kern="1200" dirty="0" err="1" smtClean="0">
+                        <a:rPr lang="en-US" sz="1800" b="0" i="0" u="none" strike="noStrike" kern="1200" dirty="0" err="1" smtClean="0">
                           <a:solidFill>
                             <a:schemeClr val="dk1"/>
                           </a:solidFill>
@@ -4628,7 +4644,7 @@
                         <a:t>foft</a:t>
                       </a:r>
                       <a:r>
-                        <a:rPr lang="en-US" sz="1800" b="0" i="1" u="none" strike="noStrike" kern="1200" dirty="0" smtClean="0">
+                        <a:rPr lang="en-US" sz="1800" b="0" i="0" u="none" strike="noStrike" kern="1200" dirty="0" smtClean="0">
                           <a:solidFill>
                             <a:schemeClr val="dk1"/>
                           </a:solidFill>
@@ -4640,7 +4656,7 @@
                         <a:t> to the value</a:t>
                       </a:r>
                       <a:r>
-                        <a:rPr lang="en-US" sz="1800" b="0" i="1" u="none" strike="noStrike" kern="1200" baseline="0" dirty="0" smtClean="0">
+                        <a:rPr lang="en-US" sz="1800" b="0" i="0" u="none" strike="noStrike" kern="1200" baseline="0" dirty="0" smtClean="0">
                           <a:solidFill>
                             <a:schemeClr val="dk1"/>
                           </a:solidFill>
@@ -4652,7 +4668,7 @@
                         <a:t> </a:t>
                       </a:r>
                       <a:r>
-                        <a:rPr lang="en-US" sz="1800" b="0" i="1" u="none" strike="noStrike" kern="1200" dirty="0" smtClean="0">
+                        <a:rPr lang="en-US" sz="1800" b="0" i="0" u="none" strike="noStrike" kern="1200" dirty="0" smtClean="0">
                           <a:solidFill>
                             <a:schemeClr val="dk1"/>
                           </a:solidFill>
@@ -4663,14 +4679,14 @@
                         </a:rPr>
                         <a:t>of 0.</a:t>
                       </a:r>
-                      <a:endParaRPr lang="en-US" b="0" dirty="0" smtClean="0">
+                      <a:endParaRPr lang="en-US" b="0" i="0" dirty="0" smtClean="0">
                         <a:effectLst/>
                       </a:endParaRPr>
                     </a:p>
                     <a:p>
                       <a:pPr rtl="0"/>
                       <a:r>
-                        <a:rPr lang="en-US" sz="1800" b="0" i="1" u="none" strike="noStrike" kern="1200" dirty="0" smtClean="0">
+                        <a:rPr lang="en-US" sz="1800" b="0" i="0" u="none" strike="noStrike" kern="1200" dirty="0" smtClean="0">
                           <a:solidFill>
                             <a:schemeClr val="dk1"/>
                           </a:solidFill>
@@ -4682,7 +4698,7 @@
                         <a:t>       Should it be the case </a:t>
                       </a:r>
                       <a:r>
-                        <a:rPr lang="en-US" sz="1800" b="0" i="1" u="none" strike="noStrike" kern="1200" dirty="0" err="1" smtClean="0">
+                        <a:rPr lang="en-US" sz="1800" b="0" i="0" u="none" strike="noStrike" kern="1200" dirty="0" err="1" smtClean="0">
                           <a:solidFill>
                             <a:schemeClr val="dk1"/>
                           </a:solidFill>
@@ -4694,7 +4710,7 @@
                         <a:t>foft</a:t>
                       </a:r>
                       <a:r>
-                        <a:rPr lang="en-US" sz="1800" b="0" i="1" u="none" strike="noStrike" kern="1200" dirty="0" smtClean="0">
+                        <a:rPr lang="en-US" sz="1800" b="0" i="0" u="none" strike="noStrike" kern="1200" dirty="0" smtClean="0">
                           <a:solidFill>
                             <a:schemeClr val="dk1"/>
                           </a:solidFill>
@@ -4706,7 +4722,7 @@
                         <a:t> EQUALS 0</a:t>
                       </a:r>
                       <a:r>
-                        <a:rPr lang="en-US" sz="1800" b="0" i="1" u="none" strike="noStrike" kern="1200" baseline="0" dirty="0" smtClean="0">
+                        <a:rPr lang="en-US" sz="1800" b="0" i="0" u="none" strike="noStrike" kern="1200" baseline="0" dirty="0" smtClean="0">
                           <a:solidFill>
                             <a:schemeClr val="dk1"/>
                           </a:solidFill>
@@ -4718,7 +4734,7 @@
                         <a:t> </a:t>
                       </a:r>
                       <a:r>
-                        <a:rPr lang="en-US" sz="1800" b="0" i="1" u="none" strike="noStrike" kern="1200" dirty="0" smtClean="0">
+                        <a:rPr lang="en-US" sz="1800" b="0" i="0" u="none" strike="noStrike" kern="1200" dirty="0" smtClean="0">
                           <a:solidFill>
                             <a:schemeClr val="dk1"/>
                           </a:solidFill>
@@ -4729,14 +4745,14 @@
                         </a:rPr>
                         <a:t>please </a:t>
                       </a:r>
-                      <a:endParaRPr lang="en-US" b="0" dirty="0" smtClean="0">
+                      <a:endParaRPr lang="en-US" b="0" i="0" dirty="0" smtClean="0">
                         <a:effectLst/>
                       </a:endParaRPr>
                     </a:p>
                     <a:p>
                       <a:pPr rtl="0"/>
                       <a:r>
-                        <a:rPr lang="en-US" sz="1800" b="0" i="1" u="none" strike="noStrike" kern="1200" dirty="0" smtClean="0">
+                        <a:rPr lang="en-US" sz="1800" b="0" i="0" u="none" strike="noStrike" kern="1200" dirty="0" smtClean="0">
                           <a:solidFill>
                             <a:schemeClr val="dk1"/>
                           </a:solidFill>
@@ -4747,14 +4763,14 @@
                         </a:rPr>
                         <a:t>           Would you mind doing the following:</a:t>
                       </a:r>
-                      <a:endParaRPr lang="en-US" b="0" dirty="0" smtClean="0">
+                      <a:endParaRPr lang="en-US" b="0" i="0" dirty="0" smtClean="0">
                         <a:effectLst/>
                       </a:endParaRPr>
                     </a:p>
                     <a:p>
                       <a:pPr rtl="0"/>
                       <a:r>
-                        <a:rPr lang="en-US" sz="1800" b="0" i="1" u="none" strike="noStrike" kern="1200" dirty="0" smtClean="0">
+                        <a:rPr lang="en-US" sz="1800" b="0" i="0" u="none" strike="noStrike" kern="1200" dirty="0" smtClean="0">
                           <a:solidFill>
                             <a:schemeClr val="dk1"/>
                           </a:solidFill>
@@ -4765,14 +4781,14 @@
                         </a:rPr>
                         <a:t>               Assign the integer soft to the value of 4 * 3.</a:t>
                       </a:r>
-                      <a:endParaRPr lang="en-US" b="0" dirty="0" smtClean="0">
+                      <a:endParaRPr lang="en-US" b="0" i="0" dirty="0" smtClean="0">
                         <a:effectLst/>
                       </a:endParaRPr>
                     </a:p>
                     <a:p>
                       <a:pPr rtl="0"/>
                       <a:r>
-                        <a:rPr lang="en-US" sz="1800" b="0" i="1" u="none" strike="noStrike" kern="1200" dirty="0" smtClean="0">
+                        <a:rPr lang="en-US" sz="1800" b="0" i="0" u="none" strike="noStrike" kern="1200" dirty="0" smtClean="0">
                           <a:solidFill>
                             <a:schemeClr val="dk1"/>
                           </a:solidFill>
@@ -4783,14 +4799,14 @@
                         </a:rPr>
                         <a:t>           Thank you.</a:t>
                       </a:r>
-                      <a:endParaRPr lang="en-US" b="0" dirty="0" smtClean="0">
+                      <a:endParaRPr lang="en-US" b="0" i="0" dirty="0" smtClean="0">
                         <a:effectLst/>
                       </a:endParaRPr>
                     </a:p>
                     <a:p>
                       <a:pPr rtl="0"/>
                       <a:r>
-                        <a:rPr lang="en-US" sz="1800" b="0" i="1" u="none" strike="noStrike" kern="1200" dirty="0" smtClean="0">
+                        <a:rPr lang="en-US" sz="1800" b="0" i="0" u="none" strike="noStrike" kern="1200" dirty="0" smtClean="0">
                           <a:solidFill>
                             <a:schemeClr val="dk1"/>
                           </a:solidFill>
@@ -4801,14 +4817,14 @@
                         </a:rPr>
                         <a:t>       otherwise</a:t>
                       </a:r>
-                      <a:endParaRPr lang="en-US" b="0" dirty="0" smtClean="0">
+                      <a:endParaRPr lang="en-US" b="0" i="0" dirty="0" smtClean="0">
                         <a:effectLst/>
                       </a:endParaRPr>
                     </a:p>
                     <a:p>
                       <a:pPr rtl="0"/>
                       <a:r>
-                        <a:rPr lang="en-US" sz="1800" b="0" i="1" u="none" strike="noStrike" kern="1200" dirty="0" smtClean="0">
+                        <a:rPr lang="en-US" sz="1800" b="0" i="0" u="none" strike="noStrike" kern="1200" dirty="0" smtClean="0">
                           <a:solidFill>
                             <a:schemeClr val="dk1"/>
                           </a:solidFill>
@@ -4819,14 +4835,14 @@
                         </a:rPr>
                         <a:t>           Would you mind doing the following:</a:t>
                       </a:r>
-                      <a:endParaRPr lang="en-US" b="0" dirty="0" smtClean="0">
+                      <a:endParaRPr lang="en-US" b="0" i="0" dirty="0" smtClean="0">
                         <a:effectLst/>
                       </a:endParaRPr>
                     </a:p>
                     <a:p>
                       <a:pPr rtl="0"/>
                       <a:r>
-                        <a:rPr lang="en-US" sz="1800" b="0" i="1" u="none" strike="noStrike" kern="1200" dirty="0" smtClean="0">
+                        <a:rPr lang="en-US" sz="1800" b="0" i="0" u="none" strike="noStrike" kern="1200" dirty="0" smtClean="0">
                           <a:solidFill>
                             <a:schemeClr val="dk1"/>
                           </a:solidFill>
@@ -4838,7 +4854,7 @@
                         <a:t>               Please reply with the value of </a:t>
                       </a:r>
                       <a:r>
-                        <a:rPr lang="en-US" sz="1800" b="0" i="1" u="none" strike="noStrike" kern="1200" dirty="0" err="1" smtClean="0">
+                        <a:rPr lang="en-US" sz="1800" b="0" i="0" u="none" strike="noStrike" kern="1200" dirty="0" err="1" smtClean="0">
                           <a:solidFill>
                             <a:schemeClr val="dk1"/>
                           </a:solidFill>
@@ -4850,7 +4866,7 @@
                         <a:t>foft</a:t>
                       </a:r>
                       <a:r>
-                        <a:rPr lang="en-US" sz="1800" b="0" i="1" u="none" strike="noStrike" kern="1200" dirty="0" smtClean="0">
+                        <a:rPr lang="en-US" sz="1800" b="0" i="0" u="none" strike="noStrike" kern="1200" dirty="0" smtClean="0">
                           <a:solidFill>
                             <a:schemeClr val="dk1"/>
                           </a:solidFill>
@@ -4861,14 +4877,14 @@
                         </a:rPr>
                         <a:t>. </a:t>
                       </a:r>
-                      <a:endParaRPr lang="en-US" b="0" dirty="0" smtClean="0">
+                      <a:endParaRPr lang="en-US" b="0" i="0" dirty="0" smtClean="0">
                         <a:effectLst/>
                       </a:endParaRPr>
                     </a:p>
                     <a:p>
                       <a:pPr rtl="0"/>
                       <a:r>
-                        <a:rPr lang="en-US" sz="1800" b="0" i="1" u="none" strike="noStrike" kern="1200" dirty="0" smtClean="0">
+                        <a:rPr lang="en-US" sz="1800" b="0" i="0" u="none" strike="noStrike" kern="1200" dirty="0" smtClean="0">
                           <a:solidFill>
                             <a:schemeClr val="dk1"/>
                           </a:solidFill>
@@ -4879,14 +4895,14 @@
                         </a:rPr>
                         <a:t>           Thank you. </a:t>
                       </a:r>
-                      <a:endParaRPr lang="en-US" b="0" dirty="0" smtClean="0">
+                      <a:endParaRPr lang="en-US" b="0" i="0" dirty="0" smtClean="0">
                         <a:effectLst/>
                       </a:endParaRPr>
                     </a:p>
                     <a:p>
                       <a:pPr rtl="0"/>
                       <a:r>
-                        <a:rPr lang="en-US" sz="1800" b="0" i="1" u="none" strike="noStrike" kern="1200" dirty="0" smtClean="0">
+                        <a:rPr lang="en-US" sz="1800" b="0" i="0" u="none" strike="noStrike" kern="1200" dirty="0" smtClean="0">
                           <a:solidFill>
                             <a:schemeClr val="dk1"/>
                           </a:solidFill>
@@ -4897,14 +4913,14 @@
                         </a:rPr>
                         <a:t>       that is all.</a:t>
                       </a:r>
-                      <a:endParaRPr lang="en-US" b="0" dirty="0" smtClean="0">
+                      <a:endParaRPr lang="en-US" b="0" i="0" dirty="0" smtClean="0">
                         <a:effectLst/>
                       </a:endParaRPr>
                     </a:p>
                     <a:p>
                       <a:pPr rtl="0"/>
                       <a:r>
-                        <a:rPr lang="en-US" sz="1800" b="0" i="1" u="none" strike="noStrike" kern="1200" dirty="0" smtClean="0">
+                        <a:rPr lang="en-US" sz="1800" b="0" i="0" u="none" strike="noStrike" kern="1200" dirty="0" smtClean="0">
                           <a:solidFill>
                             <a:schemeClr val="dk1"/>
                           </a:solidFill>
@@ -4915,14 +4931,14 @@
                         </a:rPr>
                         <a:t>   Thank you. </a:t>
                       </a:r>
-                      <a:endParaRPr lang="en-US" b="0" dirty="0" smtClean="0">
+                      <a:endParaRPr lang="en-US" b="0" i="0" dirty="0" smtClean="0">
                         <a:effectLst/>
                       </a:endParaRPr>
                     </a:p>
                     <a:p>
                       <a:pPr rtl="0"/>
                       <a:r>
-                        <a:rPr lang="en-US" sz="1800" b="0" i="1" u="none" strike="noStrike" kern="1200" dirty="0" smtClean="0">
+                        <a:rPr lang="en-US" sz="1800" b="0" i="0" u="none" strike="noStrike" kern="1200" dirty="0" smtClean="0">
                           <a:solidFill>
                             <a:schemeClr val="dk1"/>
                           </a:solidFill>
@@ -4933,7 +4949,7 @@
                         </a:rPr>
                         <a:t>Sincerely, Ajay Bansal</a:t>
                       </a:r>
-                      <a:endParaRPr lang="en-US" b="0" dirty="0" smtClean="0">
+                      <a:endParaRPr lang="en-US" b="0" i="0" dirty="0" smtClean="0">
                         <a:effectLst/>
                       </a:endParaRPr>
                     </a:p>
@@ -4947,7 +4963,7 @@
                     <a:p>
                       <a:pPr rtl="0"/>
                       <a:r>
-                        <a:rPr lang="en-US" sz="1800" b="0" i="1" u="none" strike="noStrike" kern="1200" dirty="0" smtClean="0">
+                        <a:rPr lang="en-US" sz="1800" b="0" i="0" u="none" strike="noStrike" kern="1200" dirty="0" smtClean="0">
                           <a:solidFill>
                             <a:schemeClr val="dk1"/>
                           </a:solidFill>
@@ -4959,7 +4975,7 @@
                         <a:t>Salutations </a:t>
                       </a:r>
                       <a:r>
-                        <a:rPr lang="en-US" sz="1800" b="0" i="1" u="none" strike="noStrike" kern="1200" dirty="0" err="1" smtClean="0">
+                        <a:rPr lang="en-US" sz="1800" b="0" i="0" u="none" strike="noStrike" kern="1200" dirty="0" err="1" smtClean="0">
                           <a:solidFill>
                             <a:schemeClr val="dk1"/>
                           </a:solidFill>
@@ -4971,7 +4987,7 @@
                         <a:t>Xiangyu</a:t>
                       </a:r>
                       <a:r>
-                        <a:rPr lang="en-US" sz="1800" b="0" i="1" u="none" strike="noStrike" kern="1200" dirty="0" smtClean="0">
+                        <a:rPr lang="en-US" sz="1800" b="0" i="0" u="none" strike="noStrike" kern="1200" dirty="0" smtClean="0">
                           <a:solidFill>
                             <a:schemeClr val="dk1"/>
                           </a:solidFill>
@@ -4982,14 +4998,14 @@
                         </a:rPr>
                         <a:t>, </a:t>
                       </a:r>
-                      <a:endParaRPr lang="en-US" b="0" dirty="0" smtClean="0">
+                      <a:endParaRPr lang="en-US" b="0" i="0" dirty="0" smtClean="0">
                         <a:effectLst/>
                       </a:endParaRPr>
                     </a:p>
                     <a:p>
                       <a:pPr rtl="0"/>
                       <a:r>
-                        <a:rPr lang="en-US" sz="1800" b="0" i="1" u="none" strike="noStrike" kern="1200" dirty="0" smtClean="0">
+                        <a:rPr lang="en-US" sz="1800" b="0" i="0" u="none" strike="noStrike" kern="1200" dirty="0" smtClean="0">
                           <a:solidFill>
                             <a:schemeClr val="dk1"/>
                           </a:solidFill>
@@ -5000,14 +5016,14 @@
                         </a:rPr>
                         <a:t>{</a:t>
                       </a:r>
-                      <a:endParaRPr lang="en-US" b="0" dirty="0" smtClean="0">
+                      <a:endParaRPr lang="en-US" b="0" i="0" dirty="0" smtClean="0">
                         <a:effectLst/>
                       </a:endParaRPr>
                     </a:p>
                     <a:p>
                       <a:pPr rtl="0"/>
                       <a:r>
-                        <a:rPr lang="en-US" sz="1800" b="0" i="1" u="none" strike="noStrike" kern="1200" dirty="0" smtClean="0">
+                        <a:rPr lang="en-US" sz="1800" b="0" i="0" u="none" strike="noStrike" kern="1200" dirty="0" smtClean="0">
                           <a:solidFill>
                             <a:schemeClr val="dk1"/>
                           </a:solidFill>
@@ -5018,14 +5034,14 @@
                         </a:rPr>
                         <a:t>   body {</a:t>
                       </a:r>
-                      <a:endParaRPr lang="en-US" b="0" dirty="0" smtClean="0">
+                      <a:endParaRPr lang="en-US" b="0" i="0" dirty="0" smtClean="0">
                         <a:effectLst/>
                       </a:endParaRPr>
                     </a:p>
                     <a:p>
                       <a:pPr rtl="0"/>
                       <a:r>
-                        <a:rPr lang="en-US" sz="1800" b="0" i="1" u="none" strike="noStrike" kern="1200" dirty="0" smtClean="0">
+                        <a:rPr lang="en-US" sz="1800" b="0" i="0" u="none" strike="noStrike" kern="1200" dirty="0" smtClean="0">
                           <a:solidFill>
                             <a:schemeClr val="dk1"/>
                           </a:solidFill>
@@ -5037,7 +5053,7 @@
                         <a:t>       </a:t>
                       </a:r>
                       <a:r>
-                        <a:rPr lang="en-US" sz="1800" b="0" i="1" u="none" strike="noStrike" kern="1200" dirty="0" err="1" smtClean="0">
+                        <a:rPr lang="en-US" sz="1800" b="0" i="0" u="none" strike="noStrike" kern="1200" dirty="0" err="1" smtClean="0">
                           <a:solidFill>
                             <a:schemeClr val="dk1"/>
                           </a:solidFill>
@@ -5049,7 +5065,7 @@
                         <a:t>var</a:t>
                       </a:r>
                       <a:r>
-                        <a:rPr lang="en-US" sz="1800" b="0" i="1" u="none" strike="noStrike" kern="1200" dirty="0" smtClean="0">
+                        <a:rPr lang="en-US" sz="1800" b="0" i="0" u="none" strike="noStrike" kern="1200" dirty="0" smtClean="0">
                           <a:solidFill>
                             <a:schemeClr val="dk1"/>
                           </a:solidFill>
@@ -5060,14 +5076,14 @@
                         </a:rPr>
                         <a:t> soft;</a:t>
                       </a:r>
-                      <a:endParaRPr lang="en-US" b="0" dirty="0" smtClean="0">
+                      <a:endParaRPr lang="en-US" b="0" i="0" dirty="0" smtClean="0">
                         <a:effectLst/>
                       </a:endParaRPr>
                     </a:p>
                     <a:p>
                       <a:pPr rtl="0"/>
                       <a:r>
-                        <a:rPr lang="en-US" sz="1800" b="0" i="1" u="none" strike="noStrike" kern="1200" dirty="0" smtClean="0">
+                        <a:rPr lang="en-US" sz="1800" b="0" i="0" u="none" strike="noStrike" kern="1200" dirty="0" smtClean="0">
                           <a:solidFill>
                             <a:schemeClr val="dk1"/>
                           </a:solidFill>
@@ -5079,7 +5095,7 @@
                         <a:t>       </a:t>
                       </a:r>
                       <a:r>
-                        <a:rPr lang="en-US" sz="1800" b="0" i="1" u="none" strike="noStrike" kern="1200" dirty="0" err="1" smtClean="0">
+                        <a:rPr lang="en-US" sz="1800" b="0" i="0" u="none" strike="noStrike" kern="1200" dirty="0" err="1" smtClean="0">
                           <a:solidFill>
                             <a:schemeClr val="dk1"/>
                           </a:solidFill>
@@ -5091,7 +5107,7 @@
                         <a:t>var</a:t>
                       </a:r>
                       <a:r>
-                        <a:rPr lang="en-US" sz="1800" b="0" i="1" u="none" strike="noStrike" kern="1200" dirty="0" smtClean="0">
+                        <a:rPr lang="en-US" sz="1800" b="0" i="0" u="none" strike="noStrike" kern="1200" dirty="0" smtClean="0">
                           <a:solidFill>
                             <a:schemeClr val="dk1"/>
                           </a:solidFill>
@@ -5103,7 +5119,7 @@
                         <a:t> </a:t>
                       </a:r>
                       <a:r>
-                        <a:rPr lang="en-US" sz="1800" b="0" i="1" u="none" strike="noStrike" kern="1200" dirty="0" err="1" smtClean="0">
+                        <a:rPr lang="en-US" sz="1800" b="0" i="0" u="none" strike="noStrike" kern="1200" dirty="0" err="1" smtClean="0">
                           <a:solidFill>
                             <a:schemeClr val="dk1"/>
                           </a:solidFill>
@@ -5115,7 +5131,7 @@
                         <a:t>foft</a:t>
                       </a:r>
                       <a:r>
-                        <a:rPr lang="en-US" sz="1800" b="0" i="1" u="none" strike="noStrike" kern="1200" dirty="0" smtClean="0">
+                        <a:rPr lang="en-US" sz="1800" b="0" i="0" u="none" strike="noStrike" kern="1200" dirty="0" smtClean="0">
                           <a:solidFill>
                             <a:schemeClr val="dk1"/>
                           </a:solidFill>
@@ -5126,14 +5142,14 @@
                         </a:rPr>
                         <a:t> =  0;</a:t>
                       </a:r>
-                      <a:endParaRPr lang="en-US" b="0" dirty="0" smtClean="0">
+                      <a:endParaRPr lang="en-US" b="0" i="0" dirty="0" smtClean="0">
                         <a:effectLst/>
                       </a:endParaRPr>
                     </a:p>
                     <a:p>
                       <a:pPr rtl="0"/>
                       <a:r>
-                        <a:rPr lang="en-US" sz="1800" b="0" i="1" u="none" strike="noStrike" kern="1200" dirty="0" smtClean="0">
+                        <a:rPr lang="en-US" sz="1800" b="0" i="0" u="none" strike="noStrike" kern="1200" dirty="0" smtClean="0">
                           <a:solidFill>
                             <a:schemeClr val="dk1"/>
                           </a:solidFill>
@@ -5145,7 +5161,7 @@
                         <a:t>       if (</a:t>
                       </a:r>
                       <a:r>
-                        <a:rPr lang="en-US" sz="1800" b="0" i="1" u="none" strike="noStrike" kern="1200" dirty="0" err="1" smtClean="0">
+                        <a:rPr lang="en-US" sz="1800" b="0" i="0" u="none" strike="noStrike" kern="1200" dirty="0" err="1" smtClean="0">
                           <a:solidFill>
                             <a:schemeClr val="dk1"/>
                           </a:solidFill>
@@ -5157,7 +5173,7 @@
                         <a:t>foft</a:t>
                       </a:r>
                       <a:r>
-                        <a:rPr lang="en-US" sz="1800" b="0" i="1" u="none" strike="noStrike" kern="1200" dirty="0" smtClean="0">
+                        <a:rPr lang="en-US" sz="1800" b="0" i="0" u="none" strike="noStrike" kern="1200" dirty="0" smtClean="0">
                           <a:solidFill>
                             <a:schemeClr val="dk1"/>
                           </a:solidFill>
@@ -5168,14 +5184,14 @@
                         </a:rPr>
                         <a:t> == 0) {</a:t>
                       </a:r>
-                      <a:endParaRPr lang="en-US" b="0" dirty="0" smtClean="0">
+                      <a:endParaRPr lang="en-US" b="0" i="0" dirty="0" smtClean="0">
                         <a:effectLst/>
                       </a:endParaRPr>
                     </a:p>
                     <a:p>
                       <a:pPr rtl="0"/>
                       <a:r>
-                        <a:rPr lang="en-US" sz="1800" b="0" i="1" u="none" strike="noStrike" kern="1200" dirty="0" smtClean="0">
+                        <a:rPr lang="en-US" sz="1800" b="0" i="0" u="none" strike="noStrike" kern="1200" dirty="0" smtClean="0">
                           <a:solidFill>
                             <a:schemeClr val="dk1"/>
                           </a:solidFill>
@@ -5186,14 +5202,14 @@
                         </a:rPr>
                         <a:t>               soft = 4 * 3;</a:t>
                       </a:r>
-                      <a:endParaRPr lang="en-US" b="0" dirty="0" smtClean="0">
+                      <a:endParaRPr lang="en-US" b="0" i="0" dirty="0" smtClean="0">
                         <a:effectLst/>
                       </a:endParaRPr>
                     </a:p>
                     <a:p>
                       <a:pPr rtl="0"/>
                       <a:r>
-                        <a:rPr lang="en-US" sz="1800" b="0" i="1" u="none" strike="noStrike" kern="1200" dirty="0" smtClean="0">
+                        <a:rPr lang="en-US" sz="1800" b="0" i="0" u="none" strike="noStrike" kern="1200" dirty="0" smtClean="0">
                           <a:solidFill>
                             <a:schemeClr val="dk1"/>
                           </a:solidFill>
@@ -5204,14 +5220,14 @@
                         </a:rPr>
                         <a:t>}</a:t>
                       </a:r>
-                      <a:endParaRPr lang="en-US" b="0" dirty="0" smtClean="0">
+                      <a:endParaRPr lang="en-US" b="0" i="0" dirty="0" smtClean="0">
                         <a:effectLst/>
                       </a:endParaRPr>
                     </a:p>
                     <a:p>
                       <a:pPr rtl="0"/>
                       <a:r>
-                        <a:rPr lang="en-US" sz="1800" b="0" i="1" u="none" strike="noStrike" kern="1200" dirty="0" smtClean="0">
+                        <a:rPr lang="en-US" sz="1800" b="0" i="0" u="none" strike="noStrike" kern="1200" dirty="0" smtClean="0">
                           <a:solidFill>
                             <a:schemeClr val="dk1"/>
                           </a:solidFill>
@@ -5222,14 +5238,14 @@
                         </a:rPr>
                         <a:t>       else {</a:t>
                       </a:r>
-                      <a:endParaRPr lang="en-US" b="0" dirty="0" smtClean="0">
+                      <a:endParaRPr lang="en-US" b="0" i="0" dirty="0" smtClean="0">
                         <a:effectLst/>
                       </a:endParaRPr>
                     </a:p>
                     <a:p>
                       <a:pPr rtl="0"/>
                       <a:r>
-                        <a:rPr lang="en-US" sz="1800" b="0" i="1" u="none" strike="noStrike" kern="1200" dirty="0" smtClean="0">
+                        <a:rPr lang="en-US" sz="1800" b="0" i="0" u="none" strike="noStrike" kern="1200" dirty="0" smtClean="0">
                           <a:solidFill>
                             <a:schemeClr val="dk1"/>
                           </a:solidFill>
@@ -5241,7 +5257,7 @@
                         <a:t>               print(</a:t>
                       </a:r>
                       <a:r>
-                        <a:rPr lang="en-US" sz="1800" b="0" i="1" u="none" strike="noStrike" kern="1200" dirty="0" err="1" smtClean="0">
+                        <a:rPr lang="en-US" sz="1800" b="0" i="0" u="none" strike="noStrike" kern="1200" dirty="0" err="1" smtClean="0">
                           <a:solidFill>
                             <a:schemeClr val="dk1"/>
                           </a:solidFill>
@@ -5253,7 +5269,7 @@
                         <a:t>foft</a:t>
                       </a:r>
                       <a:r>
-                        <a:rPr lang="en-US" sz="1800" b="0" i="1" u="none" strike="noStrike" kern="1200" dirty="0" smtClean="0">
+                        <a:rPr lang="en-US" sz="1800" b="0" i="0" u="none" strike="noStrike" kern="1200" dirty="0" smtClean="0">
                           <a:solidFill>
                             <a:schemeClr val="dk1"/>
                           </a:solidFill>
@@ -5264,14 +5280,14 @@
                         </a:rPr>
                         <a:t>); </a:t>
                       </a:r>
-                      <a:endParaRPr lang="en-US" b="0" dirty="0" smtClean="0">
+                      <a:endParaRPr lang="en-US" b="0" i="0" dirty="0" smtClean="0">
                         <a:effectLst/>
                       </a:endParaRPr>
                     </a:p>
                     <a:p>
                       <a:pPr rtl="0"/>
                       <a:r>
-                        <a:rPr lang="en-US" sz="1800" b="0" i="1" u="none" strike="noStrike" kern="1200" dirty="0" smtClean="0">
+                        <a:rPr lang="en-US" sz="1800" b="0" i="0" u="none" strike="noStrike" kern="1200" dirty="0" smtClean="0">
                           <a:solidFill>
                             <a:schemeClr val="dk1"/>
                           </a:solidFill>
@@ -5282,14 +5298,14 @@
                         </a:rPr>
                         <a:t>}</a:t>
                       </a:r>
-                      <a:endParaRPr lang="en-US" b="0" dirty="0" smtClean="0">
+                      <a:endParaRPr lang="en-US" b="0" i="0" dirty="0" smtClean="0">
                         <a:effectLst/>
                       </a:endParaRPr>
                     </a:p>
                     <a:p>
                       <a:pPr rtl="0"/>
                       <a:r>
-                        <a:rPr lang="en-US" sz="1800" b="0" i="1" u="none" strike="noStrike" kern="1200" dirty="0" smtClean="0">
+                        <a:rPr lang="en-US" sz="1800" b="0" i="0" u="none" strike="noStrike" kern="1200" dirty="0" smtClean="0">
                           <a:solidFill>
                             <a:schemeClr val="dk1"/>
                           </a:solidFill>
@@ -5300,14 +5316,14 @@
                         </a:rPr>
                         <a:t>    }</a:t>
                       </a:r>
-                      <a:endParaRPr lang="en-US" b="0" dirty="0" smtClean="0">
+                      <a:endParaRPr lang="en-US" b="0" i="0" dirty="0" smtClean="0">
                         <a:effectLst/>
                       </a:endParaRPr>
                     </a:p>
                     <a:p>
                       <a:pPr rtl="0"/>
                       <a:r>
-                        <a:rPr lang="en-US" sz="1800" b="0" i="1" u="none" strike="noStrike" kern="1200" dirty="0" smtClean="0">
+                        <a:rPr lang="en-US" sz="1800" b="0" i="0" u="none" strike="noStrike" kern="1200" dirty="0" smtClean="0">
                           <a:solidFill>
                             <a:schemeClr val="dk1"/>
                           </a:solidFill>
@@ -5318,19 +5334,19 @@
                         </a:rPr>
                         <a:t>}</a:t>
                       </a:r>
-                      <a:endParaRPr lang="en-US" b="0" dirty="0" smtClean="0">
-                        <a:effectLst/>
-                      </a:endParaRPr>
-                    </a:p>
-                    <a:p>
-                      <a:r>
-                        <a:rPr lang="en-US" dirty="0" smtClean="0"/>
+                      <a:endParaRPr lang="en-US" b="0" i="0" dirty="0" smtClean="0">
+                        <a:effectLst/>
+                      </a:endParaRPr>
+                    </a:p>
+                    <a:p>
+                      <a:r>
+                        <a:rPr lang="en-US" i="0" dirty="0" smtClean="0"/>
                         <a:t/>
                       </a:r>
                       <a:br>
-                        <a:rPr lang="en-US" dirty="0" smtClean="0"/>
+                        <a:rPr lang="en-US" i="0" dirty="0" smtClean="0"/>
                       </a:br>
-                      <a:endParaRPr lang="en-US" b="0" dirty="0" smtClean="0">
+                      <a:endParaRPr lang="en-US" b="0" i="0" dirty="0" smtClean="0">
                         <a:effectLst/>
                       </a:endParaRPr>
                     </a:p>
@@ -5435,7 +5451,19 @@
             </a:pPr>
             <a:r>
               <a:rPr lang="en-US" dirty="0"/>
-              <a:t>Using Prolog, AH-J is first tokenized </a:t>
+              <a:t>Using Prolog, </a:t>
+            </a:r>
+            <a:r>
+              <a:rPr lang="en-US" b="1" dirty="0">
+                <a:solidFill>
+                  <a:srgbClr val="FF0000"/>
+                </a:solidFill>
+              </a:rPr>
+              <a:t>AH-J</a:t>
+            </a:r>
+            <a:r>
+              <a:rPr lang="en-US" dirty="0"/>
+              <a:t> is first tokenized </a:t>
             </a:r>
             <a:r>
               <a:rPr lang="en-US" dirty="0" smtClean="0"/>
@@ -5471,8 +5499,16 @@
               <a:buNone/>
             </a:pPr>
             <a:r>
+              <a:rPr lang="en-US" b="1" dirty="0">
+                <a:solidFill>
+                  <a:srgbClr val="FF0000"/>
+                </a:solidFill>
+              </a:rPr>
+              <a:t>AH-J</a:t>
+            </a:r>
+            <a:r>
               <a:rPr lang="en-US" dirty="0"/>
-              <a:t>AH-J is then parsed using Prolog’s DCG functionality in order to ensure</a:t>
+              <a:t> is then parsed using Prolog’s DCG functionality in order to ensure</a:t>
             </a:r>
             <a:endParaRPr lang="en-US" b="0" dirty="0" smtClean="0">
               <a:effectLst/>
@@ -5563,7 +5599,7 @@
           <p:nvPr>
             <p:extLst>
               <p:ext uri="{D42A27DB-BD31-4B8C-83A1-F6EECF244321}">
-                <p14:modId xmlns:p14="http://schemas.microsoft.com/office/powerpoint/2010/main" val="2934952879"/>
+                <p14:modId xmlns:p14="http://schemas.microsoft.com/office/powerpoint/2010/main" val="1029768403"/>
               </p:ext>
             </p:extLst>
           </p:nvPr>
@@ -5588,10 +5624,10 @@
                     <a:lstStyle/>
                     <a:p>
                       <a:r>
-                        <a:rPr lang="en-US" dirty="0" smtClean="0"/>
+                        <a:rPr lang="en-US" i="0" dirty="0" smtClean="0"/>
                         <a:t>DCG</a:t>
                       </a:r>
-                      <a:endParaRPr lang="en-US" dirty="0"/>
+                      <a:endParaRPr lang="en-US" i="0" dirty="0"/>
                     </a:p>
                   </a:txBody>
                   <a:tcPr/>
@@ -5607,26 +5643,26 @@
                         <a:buNone/>
                       </a:pPr>
                       <a:r>
-                        <a:rPr lang="en-US" i="1" dirty="0" smtClean="0"/>
+                        <a:rPr lang="en-US" i="0" dirty="0" smtClean="0"/>
                         <a:t>program(</a:t>
                       </a:r>
                       <a:r>
-                        <a:rPr lang="en-US" i="1" dirty="0" err="1" smtClean="0"/>
+                        <a:rPr lang="en-US" i="0" dirty="0" err="1" smtClean="0"/>
                         <a:t>t_prog</a:t>
                       </a:r>
                       <a:r>
-                        <a:rPr lang="en-US" i="1" dirty="0" smtClean="0"/>
+                        <a:rPr lang="en-US" i="0" dirty="0" smtClean="0"/>
                         <a:t>(K)) --&gt; ["Salutations", "</a:t>
                       </a:r>
                       <a:r>
-                        <a:rPr lang="en-US" i="1" dirty="0" err="1" smtClean="0"/>
+                        <a:rPr lang="en-US" i="0" dirty="0" err="1" smtClean="0"/>
                         <a:t>Xiangyu</a:t>
                       </a:r>
                       <a:r>
-                        <a:rPr lang="en-US" i="1" dirty="0" smtClean="0"/>
+                        <a:rPr lang="en-US" i="0" dirty="0" smtClean="0"/>
                         <a:t>,"],</a:t>
                       </a:r>
-                      <a:endParaRPr lang="en-US" b="0" dirty="0" smtClean="0">
+                      <a:endParaRPr lang="en-US" b="0" i="0" dirty="0" smtClean="0">
                         <a:effectLst/>
                       </a:endParaRPr>
                     </a:p>
@@ -5635,7 +5671,7 @@
                         <a:buNone/>
                       </a:pPr>
                       <a:r>
-                        <a:rPr lang="en-US" i="1" dirty="0" smtClean="0"/>
+                        <a:rPr lang="en-US" i="0" dirty="0" smtClean="0"/>
                         <a:t>   list(K),  ["Sincerely,", "Ajay", "Bansal"].</a:t>
                       </a:r>
                     </a:p>
@@ -5643,7 +5679,7 @@
                       <a:pPr marL="0" indent="0">
                         <a:buNone/>
                       </a:pPr>
-                      <a:endParaRPr lang="en-US" b="0" dirty="0" smtClean="0">
+                      <a:endParaRPr lang="en-US" b="0" i="0" dirty="0" smtClean="0">
                         <a:effectLst/>
                       </a:endParaRPr>
                     </a:p>
@@ -5652,18 +5688,18 @@
                         <a:buNone/>
                       </a:pPr>
                       <a:r>
-                        <a:rPr lang="en-US" i="1" dirty="0" smtClean="0"/>
+                        <a:rPr lang="en-US" i="0" dirty="0" smtClean="0"/>
                         <a:t>list(</a:t>
                       </a:r>
                       <a:r>
-                        <a:rPr lang="en-US" i="1" dirty="0" err="1" smtClean="0"/>
+                        <a:rPr lang="en-US" i="0" dirty="0" err="1" smtClean="0"/>
                         <a:t>t_list</a:t>
                       </a:r>
                       <a:r>
-                        <a:rPr lang="en-US" i="1" dirty="0" smtClean="0"/>
+                        <a:rPr lang="en-US" i="0" dirty="0" smtClean="0"/>
                         <a:t>(D, C)) --&gt;</a:t>
                       </a:r>
-                      <a:endParaRPr lang="en-US" b="0" dirty="0" smtClean="0">
+                      <a:endParaRPr lang="en-US" b="0" i="0" dirty="0" smtClean="0">
                         <a:effectLst/>
                       </a:endParaRPr>
                     </a:p>
@@ -5672,10 +5708,10 @@
                         <a:buNone/>
                       </a:pPr>
                       <a:r>
-                        <a:rPr lang="en-US" i="1" dirty="0" smtClean="0"/>
+                        <a:rPr lang="en-US" i="0" dirty="0" smtClean="0"/>
                         <a:t>   ["Would", "you", "mind", "doing", "the", "following:"],</a:t>
                       </a:r>
-                      <a:endParaRPr lang="en-US" b="0" dirty="0" smtClean="0">
+                      <a:endParaRPr lang="en-US" b="0" i="0" dirty="0" smtClean="0">
                         <a:effectLst/>
                       </a:endParaRPr>
                     </a:p>
@@ -5684,18 +5720,18 @@
                         <a:buNone/>
                       </a:pPr>
                       <a:r>
-                        <a:rPr lang="en-US" i="1" dirty="0" smtClean="0"/>
+                        <a:rPr lang="en-US" i="0" dirty="0" smtClean="0"/>
                         <a:t>   declaration(D), </a:t>
                       </a:r>
                       <a:r>
-                        <a:rPr lang="en-US" i="1" dirty="0" err="1" smtClean="0"/>
+                        <a:rPr lang="en-US" i="0" dirty="0" err="1" smtClean="0"/>
                         <a:t>block_command</a:t>
                       </a:r>
                       <a:r>
-                        <a:rPr lang="en-US" i="1" dirty="0" smtClean="0"/>
+                        <a:rPr lang="en-US" i="0" dirty="0" smtClean="0"/>
                         <a:t>(C), ["Thank", "you"], ["."];</a:t>
                       </a:r>
-                      <a:endParaRPr lang="en-US" b="0" dirty="0" smtClean="0">
+                      <a:endParaRPr lang="en-US" b="0" i="0" dirty="0" smtClean="0">
                         <a:effectLst/>
                       </a:endParaRPr>
                     </a:p>
@@ -5704,10 +5740,10 @@
                         <a:buNone/>
                       </a:pPr>
                       <a:r>
-                        <a:rPr lang="en-US" i="1" dirty="0" smtClean="0"/>
+                        <a:rPr lang="en-US" i="0" dirty="0" smtClean="0"/>
                         <a:t>   ["Would", "you", "mind", "doing", "the", "following:"],</a:t>
                       </a:r>
-                      <a:endParaRPr lang="en-US" b="0" dirty="0" smtClean="0">
+                      <a:endParaRPr lang="en-US" b="0" i="0" dirty="0" smtClean="0">
                         <a:effectLst/>
                       </a:endParaRPr>
                     </a:p>
@@ -5716,10 +5752,10 @@
                         <a:buNone/>
                       </a:pPr>
                       <a:r>
-                        <a:rPr lang="en-US" i="1" dirty="0" smtClean="0"/>
+                        <a:rPr lang="en-US" i="0" dirty="0" smtClean="0"/>
                         <a:t>   declaration(D), command(C), ["."], ["Thank", "you"], ["."].</a:t>
                       </a:r>
-                      <a:endParaRPr lang="en-US" b="0" dirty="0" smtClean="0">
+                      <a:endParaRPr lang="en-US" b="0" i="0" dirty="0" smtClean="0">
                         <a:effectLst/>
                       </a:endParaRPr>
                     </a:p>
@@ -5727,25 +5763,25 @@
                       <a:pPr marL="0" indent="0">
                         <a:buNone/>
                       </a:pPr>
-                      <a:endParaRPr lang="en-US" i="1" dirty="0" smtClean="0"/>
+                      <a:endParaRPr lang="en-US" i="0" dirty="0" smtClean="0"/>
                     </a:p>
                     <a:p>
                       <a:pPr marL="0" indent="0">
                         <a:buNone/>
                       </a:pPr>
                       <a:r>
-                        <a:rPr lang="en-US" i="1" dirty="0" smtClean="0"/>
+                        <a:rPr lang="en-US" i="0" dirty="0" smtClean="0"/>
                         <a:t>list(</a:t>
                       </a:r>
                       <a:r>
-                        <a:rPr lang="en-US" i="1" dirty="0" err="1" smtClean="0"/>
+                        <a:rPr lang="en-US" i="0" dirty="0" err="1" smtClean="0"/>
                         <a:t>t_list</a:t>
                       </a:r>
                       <a:r>
-                        <a:rPr lang="en-US" i="1" dirty="0" smtClean="0"/>
+                        <a:rPr lang="en-US" i="0" dirty="0" smtClean="0"/>
                         <a:t>(C)) --&gt;</a:t>
                       </a:r>
-                      <a:endParaRPr lang="en-US" b="0" dirty="0" smtClean="0">
+                      <a:endParaRPr lang="en-US" b="0" i="0" dirty="0" smtClean="0">
                         <a:effectLst/>
                       </a:endParaRPr>
                     </a:p>
@@ -5754,10 +5790,10 @@
                         <a:buNone/>
                       </a:pPr>
                       <a:r>
-                        <a:rPr lang="en-US" i="1" dirty="0" smtClean="0"/>
+                        <a:rPr lang="en-US" i="0" dirty="0" smtClean="0"/>
                         <a:t>   ["Would", "you", "mind", "doing", "the", "following:"],</a:t>
                       </a:r>
-                      <a:endParaRPr lang="en-US" b="0" dirty="0" smtClean="0">
+                      <a:endParaRPr lang="en-US" b="0" i="0" dirty="0" smtClean="0">
                         <a:effectLst/>
                       </a:endParaRPr>
                     </a:p>
@@ -5766,18 +5802,18 @@
                         <a:buNone/>
                       </a:pPr>
                       <a:r>
-                        <a:rPr lang="en-US" i="1" dirty="0" smtClean="0"/>
+                        <a:rPr lang="en-US" i="0" dirty="0" smtClean="0"/>
                         <a:t>   </a:t>
                       </a:r>
                       <a:r>
-                        <a:rPr lang="en-US" i="1" dirty="0" err="1" smtClean="0"/>
+                        <a:rPr lang="en-US" i="0" dirty="0" err="1" smtClean="0"/>
                         <a:t>block_command</a:t>
                       </a:r>
                       <a:r>
-                        <a:rPr lang="en-US" i="1" dirty="0" smtClean="0"/>
+                        <a:rPr lang="en-US" i="0" dirty="0" smtClean="0"/>
                         <a:t>(C), ["."], ["Thank", "you"], ["."];</a:t>
                       </a:r>
-                      <a:endParaRPr lang="en-US" b="0" dirty="0" smtClean="0">
+                      <a:endParaRPr lang="en-US" b="0" i="0" dirty="0" smtClean="0">
                         <a:effectLst/>
                       </a:endParaRPr>
                     </a:p>
@@ -5786,10 +5822,10 @@
                         <a:buNone/>
                       </a:pPr>
                       <a:r>
-                        <a:rPr lang="en-US" i="1" dirty="0" smtClean="0"/>
+                        <a:rPr lang="en-US" i="0" dirty="0" smtClean="0"/>
                         <a:t>   ["Would", "you", "mind", "doing", "the", "following:"],</a:t>
                       </a:r>
-                      <a:endParaRPr lang="en-US" b="0" dirty="0" smtClean="0">
+                      <a:endParaRPr lang="en-US" b="0" i="0" dirty="0" smtClean="0">
                         <a:effectLst/>
                       </a:endParaRPr>
                     </a:p>
@@ -5798,10 +5834,10 @@
                         <a:buNone/>
                       </a:pPr>
                       <a:r>
-                        <a:rPr lang="en-US" i="1" dirty="0" smtClean="0"/>
+                        <a:rPr lang="en-US" i="0" dirty="0" smtClean="0"/>
                         <a:t>   command(C), ["."], ["Thank", "you"], ["."].</a:t>
                       </a:r>
-                      <a:endParaRPr lang="en-US" b="0" dirty="0" smtClean="0">
+                      <a:endParaRPr lang="en-US" b="0" i="0" dirty="0" smtClean="0">
                         <a:effectLst/>
                       </a:endParaRPr>
                     </a:p>
@@ -5888,14 +5924,14 @@
           <p:nvPr>
             <p:extLst>
               <p:ext uri="{D42A27DB-BD31-4B8C-83A1-F6EECF244321}">
-                <p14:modId xmlns:p14="http://schemas.microsoft.com/office/powerpoint/2010/main" val="2578039209"/>
+                <p14:modId xmlns:p14="http://schemas.microsoft.com/office/powerpoint/2010/main" val="508519584"/>
               </p:ext>
             </p:extLst>
           </p:nvPr>
         </p:nvGraphicFramePr>
         <p:xfrm>
           <a:off x="657224" y="1998134"/>
-          <a:ext cx="10772774" cy="3754120"/>
+          <a:ext cx="10772774" cy="3479800"/>
         </p:xfrm>
         <a:graphic>
           <a:graphicData uri="http://schemas.openxmlformats.org/drawingml/2006/table">
@@ -5914,10 +5950,10 @@
                     <a:lstStyle/>
                     <a:p>
                       <a:r>
-                        <a:rPr lang="en-US" dirty="0" smtClean="0"/>
+                        <a:rPr lang="en-US" i="0" dirty="0" smtClean="0"/>
                         <a:t>AH-J Syntax</a:t>
                       </a:r>
-                      <a:endParaRPr lang="en-US" dirty="0"/>
+                      <a:endParaRPr lang="en-US" i="0" dirty="0"/>
                     </a:p>
                   </a:txBody>
                   <a:tcPr/>
@@ -5928,10 +5964,10 @@
                     <a:lstStyle/>
                     <a:p>
                       <a:r>
-                        <a:rPr lang="en-US" dirty="0" smtClean="0"/>
+                        <a:rPr lang="en-US" i="0" dirty="0" smtClean="0"/>
                         <a:t>Parse Tree</a:t>
                       </a:r>
-                      <a:endParaRPr lang="en-US" dirty="0"/>
+                      <a:endParaRPr lang="en-US" i="0" dirty="0"/>
                     </a:p>
                   </a:txBody>
                   <a:tcPr/>
@@ -5947,10 +5983,18 @@
                         <a:buNone/>
                       </a:pPr>
                       <a:r>
-                        <a:rPr lang="en-US" b="1" dirty="0" smtClean="0"/>
-                        <a:t>AH-J SYNTAX:</a:t>
-                      </a:r>
-                      <a:endParaRPr lang="en-US" b="0" dirty="0" smtClean="0">
+                        <a:rPr lang="en-US" i="0" dirty="0" smtClean="0"/>
+                        <a:t>Salutations </a:t>
+                      </a:r>
+                      <a:r>
+                        <a:rPr lang="en-US" i="0" dirty="0" err="1" smtClean="0"/>
+                        <a:t>Xiangyu</a:t>
+                      </a:r>
+                      <a:r>
+                        <a:rPr lang="en-US" i="0" dirty="0" smtClean="0"/>
+                        <a:t>,</a:t>
+                      </a:r>
+                      <a:endParaRPr lang="en-US" b="0" i="0" dirty="0" smtClean="0">
                         <a:effectLst/>
                       </a:endParaRPr>
                     </a:p>
@@ -5959,18 +6003,10 @@
                         <a:buNone/>
                       </a:pPr>
                       <a:r>
-                        <a:rPr lang="en-US" i="1" dirty="0" smtClean="0"/>
-                        <a:t>Salutations </a:t>
-                      </a:r>
-                      <a:r>
-                        <a:rPr lang="en-US" i="1" dirty="0" err="1" smtClean="0"/>
-                        <a:t>Xiangyu</a:t>
-                      </a:r>
-                      <a:r>
-                        <a:rPr lang="en-US" i="1" dirty="0" smtClean="0"/>
-                        <a:t>,</a:t>
-                      </a:r>
-                      <a:endParaRPr lang="en-US" b="0" dirty="0" smtClean="0">
+                        <a:rPr lang="en-US" i="0" dirty="0" smtClean="0"/>
+                        <a:t>   Would you mind doing the following:</a:t>
+                      </a:r>
+                      <a:endParaRPr lang="en-US" b="0" i="0" dirty="0" smtClean="0">
                         <a:effectLst/>
                       </a:endParaRPr>
                     </a:p>
@@ -5979,10 +6015,10 @@
                         <a:buNone/>
                       </a:pPr>
                       <a:r>
-                        <a:rPr lang="en-US" i="1" dirty="0" smtClean="0"/>
-                        <a:t>   Would you mind doing the following:</a:t>
-                      </a:r>
-                      <a:endParaRPr lang="en-US" b="0" dirty="0" smtClean="0">
+                        <a:rPr lang="en-US" i="0" dirty="0" smtClean="0"/>
+                        <a:t>       Assign the integer c to the value of 7.</a:t>
+                      </a:r>
+                      <a:endParaRPr lang="en-US" b="0" i="0" dirty="0" smtClean="0">
                         <a:effectLst/>
                       </a:endParaRPr>
                     </a:p>
@@ -5991,10 +6027,10 @@
                         <a:buNone/>
                       </a:pPr>
                       <a:r>
-                        <a:rPr lang="en-US" i="1" dirty="0" smtClean="0"/>
-                        <a:t>       Assign the integer c to the value of 7.</a:t>
-                      </a:r>
-                      <a:endParaRPr lang="en-US" b="0" dirty="0" smtClean="0">
+                        <a:rPr lang="en-US" i="0" dirty="0" smtClean="0"/>
+                        <a:t>       So long as NOT c EQUALS 5 please</a:t>
+                      </a:r>
+                      <a:endParaRPr lang="en-US" b="0" i="0" dirty="0" smtClean="0">
                         <a:effectLst/>
                       </a:endParaRPr>
                     </a:p>
@@ -6003,10 +6039,10 @@
                         <a:buNone/>
                       </a:pPr>
                       <a:r>
-                        <a:rPr lang="en-US" i="1" dirty="0" smtClean="0"/>
-                        <a:t>       So long as NOT c EQUALS 5 please</a:t>
-                      </a:r>
-                      <a:endParaRPr lang="en-US" b="0" dirty="0" smtClean="0">
+                        <a:rPr lang="en-US" i="0" dirty="0" smtClean="0"/>
+                        <a:t>           Would you mind doing the following: </a:t>
+                      </a:r>
+                      <a:endParaRPr lang="en-US" b="0" i="0" dirty="0" smtClean="0">
                         <a:effectLst/>
                       </a:endParaRPr>
                     </a:p>
@@ -6015,10 +6051,10 @@
                         <a:buNone/>
                       </a:pPr>
                       <a:r>
-                        <a:rPr lang="en-US" i="1" dirty="0" smtClean="0"/>
-                        <a:t>           Would you mind doing the following: </a:t>
-                      </a:r>
-                      <a:endParaRPr lang="en-US" b="0" dirty="0" smtClean="0">
+                        <a:rPr lang="en-US" i="0" dirty="0" smtClean="0"/>
+                        <a:t>               Assign the integer c to the value of c - 1.</a:t>
+                      </a:r>
+                      <a:endParaRPr lang="en-US" b="0" i="0" dirty="0" smtClean="0">
                         <a:effectLst/>
                       </a:endParaRPr>
                     </a:p>
@@ -6027,10 +6063,10 @@
                         <a:buNone/>
                       </a:pPr>
                       <a:r>
-                        <a:rPr lang="en-US" i="1" dirty="0" smtClean="0"/>
-                        <a:t>               Assign the integer c to the value of c - 1.</a:t>
-                      </a:r>
-                      <a:endParaRPr lang="en-US" b="0" dirty="0" smtClean="0">
+                        <a:rPr lang="en-US" i="0" dirty="0" smtClean="0"/>
+                        <a:t>           Thank you.</a:t>
+                      </a:r>
+                      <a:endParaRPr lang="en-US" b="0" i="0" dirty="0" smtClean="0">
                         <a:effectLst/>
                       </a:endParaRPr>
                     </a:p>
@@ -6039,10 +6075,10 @@
                         <a:buNone/>
                       </a:pPr>
                       <a:r>
-                        <a:rPr lang="en-US" i="1" dirty="0" smtClean="0"/>
-                        <a:t>           Thank you.</a:t>
-                      </a:r>
-                      <a:endParaRPr lang="en-US" b="0" dirty="0" smtClean="0">
+                        <a:rPr lang="en-US" i="0" dirty="0" smtClean="0"/>
+                        <a:t>       your iterations are appreciated.</a:t>
+                      </a:r>
+                      <a:endParaRPr lang="en-US" b="0" i="0" dirty="0" smtClean="0">
                         <a:effectLst/>
                       </a:endParaRPr>
                     </a:p>
@@ -6051,10 +6087,10 @@
                         <a:buNone/>
                       </a:pPr>
                       <a:r>
-                        <a:rPr lang="en-US" i="1" dirty="0" smtClean="0"/>
-                        <a:t>       your iterations are appreciated.</a:t>
-                      </a:r>
-                      <a:endParaRPr lang="en-US" b="0" dirty="0" smtClean="0">
+                        <a:rPr lang="en-US" i="0" dirty="0" smtClean="0"/>
+                        <a:t>   Thank you.</a:t>
+                      </a:r>
+                      <a:endParaRPr lang="en-US" b="0" i="0" dirty="0" smtClean="0">
                         <a:effectLst/>
                       </a:endParaRPr>
                     </a:p>
@@ -6063,27 +6099,15 @@
                         <a:buNone/>
                       </a:pPr>
                       <a:r>
-                        <a:rPr lang="en-US" i="1" dirty="0" smtClean="0"/>
-                        <a:t>   Thank you.</a:t>
-                      </a:r>
-                      <a:endParaRPr lang="en-US" b="0" dirty="0" smtClean="0">
-                        <a:effectLst/>
-                      </a:endParaRPr>
-                    </a:p>
-                    <a:p>
-                      <a:pPr marL="0" indent="0">
-                        <a:buNone/>
-                      </a:pPr>
-                      <a:r>
-                        <a:rPr lang="en-US" i="1" dirty="0" smtClean="0"/>
+                        <a:rPr lang="en-US" i="0" dirty="0" smtClean="0"/>
                         <a:t>Sincerely, Ajay Bansal</a:t>
                       </a:r>
-                      <a:endParaRPr lang="en-US" b="0" dirty="0" smtClean="0">
-                        <a:effectLst/>
-                      </a:endParaRPr>
-                    </a:p>
-                    <a:p>
-                      <a:endParaRPr lang="en-US" dirty="0"/>
+                      <a:endParaRPr lang="en-US" b="0" i="0" dirty="0" smtClean="0">
+                        <a:effectLst/>
+                      </a:endParaRPr>
+                    </a:p>
+                    <a:p>
+                      <a:endParaRPr lang="en-US" i="0" dirty="0"/>
                     </a:p>
                   </a:txBody>
                   <a:tcPr/>
@@ -6097,22 +6121,22 @@
                         <a:buNone/>
                       </a:pPr>
                       <a:r>
-                        <a:rPr lang="fr-FR" i="1" dirty="0" err="1" smtClean="0"/>
+                        <a:rPr lang="fr-FR" i="0" dirty="0" err="1" smtClean="0"/>
                         <a:t>t_prog</a:t>
                       </a:r>
                       <a:r>
-                        <a:rPr lang="fr-FR" i="1" dirty="0" smtClean="0"/>
+                        <a:rPr lang="fr-FR" i="0" dirty="0" smtClean="0"/>
                         <a:t>(</a:t>
                       </a:r>
                       <a:r>
-                        <a:rPr lang="fr-FR" i="1" dirty="0" err="1" smtClean="0"/>
+                        <a:rPr lang="fr-FR" i="0" dirty="0" err="1" smtClean="0"/>
                         <a:t>t_list</a:t>
                       </a:r>
                       <a:r>
-                        <a:rPr lang="fr-FR" i="1" dirty="0" smtClean="0"/>
+                        <a:rPr lang="fr-FR" i="0" dirty="0" smtClean="0"/>
                         <a:t>(</a:t>
                       </a:r>
-                      <a:endParaRPr lang="fr-FR" b="0" dirty="0" smtClean="0">
+                      <a:endParaRPr lang="fr-FR" b="0" i="0" dirty="0" smtClean="0">
                         <a:effectLst/>
                       </a:endParaRPr>
                     </a:p>
@@ -6121,18 +6145,18 @@
                         <a:buNone/>
                       </a:pPr>
                       <a:r>
-                        <a:rPr lang="fr-FR" i="1" dirty="0" smtClean="0"/>
+                        <a:rPr lang="fr-FR" i="0" dirty="0" smtClean="0"/>
                         <a:t>  </a:t>
                       </a:r>
                       <a:r>
-                        <a:rPr lang="fr-FR" i="1" dirty="0" err="1" smtClean="0"/>
+                        <a:rPr lang="fr-FR" i="0" dirty="0" err="1" smtClean="0"/>
                         <a:t>t_command</a:t>
                       </a:r>
                       <a:r>
-                        <a:rPr lang="fr-FR" i="1" dirty="0" smtClean="0"/>
+                        <a:rPr lang="fr-FR" i="0" dirty="0" smtClean="0"/>
                         <a:t>(</a:t>
                       </a:r>
-                      <a:endParaRPr lang="fr-FR" b="0" dirty="0" smtClean="0">
+                      <a:endParaRPr lang="fr-FR" b="0" i="0" dirty="0" smtClean="0">
                         <a:effectLst/>
                       </a:endParaRPr>
                     </a:p>
@@ -6141,42 +6165,42 @@
                         <a:buNone/>
                       </a:pPr>
                       <a:r>
-                        <a:rPr lang="fr-FR" i="1" dirty="0" smtClean="0"/>
+                        <a:rPr lang="fr-FR" i="0" dirty="0" smtClean="0"/>
                         <a:t>     </a:t>
                       </a:r>
                       <a:r>
-                        <a:rPr lang="fr-FR" i="1" dirty="0" err="1" smtClean="0"/>
+                        <a:rPr lang="fr-FR" i="0" dirty="0" err="1" smtClean="0"/>
                         <a:t>t_id</a:t>
                       </a:r>
                       <a:r>
-                        <a:rPr lang="fr-FR" i="1" dirty="0" smtClean="0"/>
+                        <a:rPr lang="fr-FR" i="0" dirty="0" smtClean="0"/>
                         <a:t>(c),</a:t>
                       </a:r>
                       <a:r>
-                        <a:rPr lang="fr-FR" i="1" dirty="0" err="1" smtClean="0"/>
+                        <a:rPr lang="fr-FR" i="0" dirty="0" err="1" smtClean="0"/>
                         <a:t>t_term</a:t>
                       </a:r>
                       <a:r>
-                        <a:rPr lang="fr-FR" i="1" dirty="0" smtClean="0"/>
+                        <a:rPr lang="fr-FR" i="0" dirty="0" smtClean="0"/>
                         <a:t>(</a:t>
                       </a:r>
                       <a:r>
-                        <a:rPr lang="fr-FR" i="1" dirty="0" err="1" smtClean="0"/>
+                        <a:rPr lang="fr-FR" i="0" dirty="0" err="1" smtClean="0"/>
                         <a:t>t_factor</a:t>
                       </a:r>
                       <a:r>
-                        <a:rPr lang="fr-FR" i="1" dirty="0" smtClean="0"/>
+                        <a:rPr lang="fr-FR" i="0" dirty="0" smtClean="0"/>
                         <a:t>(</a:t>
                       </a:r>
                       <a:r>
-                        <a:rPr lang="fr-FR" i="1" dirty="0" err="1" smtClean="0"/>
+                        <a:rPr lang="fr-FR" i="0" dirty="0" err="1" smtClean="0"/>
                         <a:t>t_num</a:t>
                       </a:r>
                       <a:r>
-                        <a:rPr lang="fr-FR" i="1" dirty="0" smtClean="0"/>
+                        <a:rPr lang="fr-FR" i="0" dirty="0" smtClean="0"/>
                         <a:t>(7))),</a:t>
                       </a:r>
-                      <a:endParaRPr lang="fr-FR" b="0" dirty="0" smtClean="0">
+                      <a:endParaRPr lang="fr-FR" b="0" i="0" dirty="0" smtClean="0">
                         <a:effectLst/>
                       </a:endParaRPr>
                     </a:p>
@@ -6185,90 +6209,90 @@
                         <a:buNone/>
                       </a:pPr>
                       <a:r>
-                        <a:rPr lang="fr-FR" i="1" dirty="0" smtClean="0"/>
+                        <a:rPr lang="fr-FR" i="0" dirty="0" smtClean="0"/>
                         <a:t>     </a:t>
                       </a:r>
                       <a:r>
-                        <a:rPr lang="fr-FR" i="1" dirty="0" err="1" smtClean="0"/>
+                        <a:rPr lang="fr-FR" i="0" dirty="0" err="1" smtClean="0"/>
                         <a:t>t_block_cmnd</a:t>
                       </a:r>
                       <a:r>
-                        <a:rPr lang="fr-FR" i="1" dirty="0" smtClean="0"/>
+                        <a:rPr lang="fr-FR" i="0" dirty="0" smtClean="0"/>
                         <a:t>(</a:t>
                       </a:r>
                       <a:r>
-                        <a:rPr lang="fr-FR" i="1" dirty="0" err="1" smtClean="0"/>
+                        <a:rPr lang="fr-FR" i="0" dirty="0" err="1" smtClean="0"/>
                         <a:t>t_while</a:t>
                       </a:r>
                       <a:r>
-                        <a:rPr lang="fr-FR" i="1" dirty="0" smtClean="0"/>
+                        <a:rPr lang="fr-FR" i="0" dirty="0" smtClean="0"/>
                         <a:t>(</a:t>
                       </a:r>
                       <a:r>
-                        <a:rPr lang="fr-FR" i="1" dirty="0" err="1" smtClean="0"/>
+                        <a:rPr lang="fr-FR" i="0" dirty="0" err="1" smtClean="0"/>
                         <a:t>t_exp_not</a:t>
                       </a:r>
                       <a:r>
-                        <a:rPr lang="fr-FR" i="1" dirty="0" smtClean="0"/>
+                        <a:rPr lang="fr-FR" i="0" dirty="0" smtClean="0"/>
                         <a:t>(</a:t>
                       </a:r>
                       <a:r>
-                        <a:rPr lang="fr-FR" i="1" dirty="0" err="1" smtClean="0"/>
+                        <a:rPr lang="fr-FR" i="0" dirty="0" err="1" smtClean="0"/>
                         <a:t>t_exp_eq</a:t>
                       </a:r>
                       <a:r>
-                        <a:rPr lang="fr-FR" i="1" dirty="0" smtClean="0"/>
+                        <a:rPr lang="fr-FR" i="0" dirty="0" smtClean="0"/>
                         <a:t>(</a:t>
                       </a:r>
                       <a:r>
-                        <a:rPr lang="fr-FR" i="1" dirty="0" err="1" smtClean="0"/>
+                        <a:rPr lang="fr-FR" i="0" dirty="0" err="1" smtClean="0"/>
                         <a:t>t_term</a:t>
                       </a:r>
                       <a:r>
-                        <a:rPr lang="fr-FR" i="1" dirty="0" smtClean="0"/>
+                        <a:rPr lang="fr-FR" i="0" dirty="0" smtClean="0"/>
                         <a:t>(</a:t>
                       </a:r>
                       <a:r>
-                        <a:rPr lang="fr-FR" i="1" dirty="0" err="1" smtClean="0"/>
+                        <a:rPr lang="fr-FR" i="0" dirty="0" err="1" smtClean="0"/>
                         <a:t>t_factor</a:t>
                       </a:r>
                       <a:r>
-                        <a:rPr lang="fr-FR" i="1" dirty="0" smtClean="0"/>
+                        <a:rPr lang="fr-FR" i="0" dirty="0" smtClean="0"/>
                         <a:t>(</a:t>
                       </a:r>
                       <a:r>
-                        <a:rPr lang="fr-FR" i="1" dirty="0" err="1" smtClean="0"/>
+                        <a:rPr lang="fr-FR" i="0" dirty="0" err="1" smtClean="0"/>
                         <a:t>t_id</a:t>
                       </a:r>
                       <a:r>
-                        <a:rPr lang="fr-FR" i="1" dirty="0" smtClean="0"/>
+                        <a:rPr lang="fr-FR" i="0" dirty="0" smtClean="0"/>
                         <a:t>(c))),</a:t>
                       </a:r>
                       <a:r>
-                        <a:rPr lang="fr-FR" i="1" dirty="0" err="1" smtClean="0"/>
+                        <a:rPr lang="fr-FR" i="0" dirty="0" err="1" smtClean="0"/>
                         <a:t>t_term</a:t>
                       </a:r>
                       <a:r>
-                        <a:rPr lang="fr-FR" i="1" dirty="0" smtClean="0"/>
+                        <a:rPr lang="fr-FR" i="0" dirty="0" smtClean="0"/>
                         <a:t>(</a:t>
                       </a:r>
                       <a:r>
-                        <a:rPr lang="fr-FR" i="1" dirty="0" err="1" smtClean="0"/>
+                        <a:rPr lang="fr-FR" i="0" dirty="0" err="1" smtClean="0"/>
                         <a:t>t_factor</a:t>
                       </a:r>
                       <a:r>
-                        <a:rPr lang="fr-FR" i="1" dirty="0" smtClean="0"/>
+                        <a:rPr lang="fr-FR" i="0" dirty="0" smtClean="0"/>
                         <a:t>(</a:t>
                       </a:r>
                       <a:r>
-                        <a:rPr lang="fr-FR" i="1" dirty="0" err="1" smtClean="0"/>
+                        <a:rPr lang="fr-FR" i="0" dirty="0" err="1" smtClean="0"/>
                         <a:t>t_num</a:t>
                       </a:r>
                       <a:r>
-                        <a:rPr lang="fr-FR" i="1" dirty="0" smtClean="0"/>
+                        <a:rPr lang="fr-FR" i="0" dirty="0" smtClean="0"/>
                         <a:t>(5))))),</a:t>
                       </a:r>
-                      <a:endParaRPr lang="fr-FR" b="0" dirty="0" smtClean="0">
+                      <a:endParaRPr lang="fr-FR" b="0" i="0" dirty="0" smtClean="0">
                         <a:effectLst/>
                       </a:endParaRPr>
                     </a:p>
@@ -6277,90 +6301,90 @@
                         <a:buNone/>
                       </a:pPr>
                       <a:r>
-                        <a:rPr lang="fr-FR" i="1" dirty="0" smtClean="0"/>
+                        <a:rPr lang="fr-FR" i="0" dirty="0" smtClean="0"/>
                         <a:t>        </a:t>
                       </a:r>
                       <a:r>
-                        <a:rPr lang="fr-FR" i="1" dirty="0" err="1" smtClean="0"/>
+                        <a:rPr lang="fr-FR" i="0" dirty="0" err="1" smtClean="0"/>
                         <a:t>t_list</a:t>
                       </a:r>
                       <a:r>
-                        <a:rPr lang="fr-FR" i="1" dirty="0" smtClean="0"/>
+                        <a:rPr lang="fr-FR" i="0" dirty="0" smtClean="0"/>
                         <a:t>(</a:t>
                       </a:r>
                       <a:r>
-                        <a:rPr lang="fr-FR" i="1" dirty="0" err="1" smtClean="0"/>
+                        <a:rPr lang="fr-FR" i="0" dirty="0" err="1" smtClean="0"/>
                         <a:t>t_command</a:t>
                       </a:r>
                       <a:r>
-                        <a:rPr lang="fr-FR" i="1" dirty="0" smtClean="0"/>
+                        <a:rPr lang="fr-FR" i="0" dirty="0" smtClean="0"/>
                         <a:t>(</a:t>
                       </a:r>
                       <a:r>
-                        <a:rPr lang="fr-FR" i="1" dirty="0" err="1" smtClean="0"/>
+                        <a:rPr lang="fr-FR" i="0" dirty="0" err="1" smtClean="0"/>
                         <a:t>t_id</a:t>
                       </a:r>
                       <a:r>
-                        <a:rPr lang="fr-FR" i="1" dirty="0" smtClean="0"/>
+                        <a:rPr lang="fr-FR" i="0" dirty="0" smtClean="0"/>
                         <a:t>(c),</a:t>
                       </a:r>
                       <a:r>
-                        <a:rPr lang="fr-FR" i="1" dirty="0" err="1" smtClean="0"/>
+                        <a:rPr lang="fr-FR" i="0" dirty="0" err="1" smtClean="0"/>
                         <a:t>t_minus</a:t>
                       </a:r>
                       <a:r>
-                        <a:rPr lang="fr-FR" i="1" dirty="0" smtClean="0"/>
+                        <a:rPr lang="fr-FR" i="0" dirty="0" smtClean="0"/>
                         <a:t>(</a:t>
                       </a:r>
                       <a:r>
-                        <a:rPr lang="fr-FR" i="1" dirty="0" err="1" smtClean="0"/>
+                        <a:rPr lang="fr-FR" i="0" dirty="0" err="1" smtClean="0"/>
                         <a:t>t_term</a:t>
                       </a:r>
                       <a:r>
-                        <a:rPr lang="fr-FR" i="1" dirty="0" smtClean="0"/>
+                        <a:rPr lang="fr-FR" i="0" dirty="0" smtClean="0"/>
                         <a:t>(</a:t>
                       </a:r>
                       <a:r>
-                        <a:rPr lang="fr-FR" i="1" dirty="0" err="1" smtClean="0"/>
+                        <a:rPr lang="fr-FR" i="0" dirty="0" err="1" smtClean="0"/>
                         <a:t>t_factor</a:t>
                       </a:r>
                       <a:r>
-                        <a:rPr lang="fr-FR" i="1" dirty="0" smtClean="0"/>
+                        <a:rPr lang="fr-FR" i="0" dirty="0" smtClean="0"/>
                         <a:t>(</a:t>
                       </a:r>
                       <a:r>
-                        <a:rPr lang="fr-FR" i="1" dirty="0" err="1" smtClean="0"/>
+                        <a:rPr lang="fr-FR" i="0" dirty="0" err="1" smtClean="0"/>
                         <a:t>t_id</a:t>
                       </a:r>
                       <a:r>
-                        <a:rPr lang="fr-FR" i="1" dirty="0" smtClean="0"/>
+                        <a:rPr lang="fr-FR" i="0" dirty="0" smtClean="0"/>
                         <a:t>(c))),</a:t>
                       </a:r>
                       <a:r>
-                        <a:rPr lang="fr-FR" i="1" dirty="0" err="1" smtClean="0"/>
+                        <a:rPr lang="fr-FR" i="0" dirty="0" err="1" smtClean="0"/>
                         <a:t>t_term</a:t>
                       </a:r>
                       <a:r>
-                        <a:rPr lang="fr-FR" i="1" dirty="0" smtClean="0"/>
+                        <a:rPr lang="fr-FR" i="0" dirty="0" smtClean="0"/>
                         <a:t>(</a:t>
                       </a:r>
                       <a:r>
-                        <a:rPr lang="fr-FR" i="1" dirty="0" err="1" smtClean="0"/>
+                        <a:rPr lang="fr-FR" i="0" dirty="0" err="1" smtClean="0"/>
                         <a:t>t_factor</a:t>
                       </a:r>
                       <a:r>
-                        <a:rPr lang="fr-FR" i="1" dirty="0" smtClean="0"/>
+                        <a:rPr lang="fr-FR" i="0" dirty="0" smtClean="0"/>
                         <a:t>(</a:t>
                       </a:r>
                       <a:r>
-                        <a:rPr lang="fr-FR" i="1" dirty="0" err="1" smtClean="0"/>
+                        <a:rPr lang="fr-FR" i="0" dirty="0" err="1" smtClean="0"/>
                         <a:t>t_num</a:t>
                       </a:r>
                       <a:r>
-                        <a:rPr lang="fr-FR" i="1" dirty="0" smtClean="0"/>
+                        <a:rPr lang="fr-FR" i="0" dirty="0" smtClean="0"/>
                         <a:t>(1)))))</a:t>
                       </a:r>
-                      <a:endParaRPr lang="fr-FR" b="0" dirty="0" smtClean="0">
+                      <a:endParaRPr lang="fr-FR" b="0" i="0" dirty="0" smtClean="0">
                         <a:effectLst/>
                       </a:endParaRPr>
                     </a:p>
@@ -6369,10 +6393,10 @@
                         <a:buNone/>
                       </a:pPr>
                       <a:r>
-                        <a:rPr lang="fr-FR" i="1" dirty="0" smtClean="0"/>
+                        <a:rPr lang="fr-FR" i="0" dirty="0" smtClean="0"/>
                         <a:t>     ))</a:t>
                       </a:r>
-                      <a:endParaRPr lang="fr-FR" b="0" dirty="0" smtClean="0">
+                      <a:endParaRPr lang="fr-FR" b="0" i="0" dirty="0" smtClean="0">
                         <a:effectLst/>
                       </a:endParaRPr>
                     </a:p>
@@ -6381,10 +6405,10 @@
                         <a:buNone/>
                       </a:pPr>
                       <a:r>
-                        <a:rPr lang="fr-FR" i="1" dirty="0" smtClean="0"/>
+                        <a:rPr lang="fr-FR" i="0" dirty="0" smtClean="0"/>
                         <a:t>  )</a:t>
                       </a:r>
-                      <a:endParaRPr lang="fr-FR" b="0" dirty="0" smtClean="0">
+                      <a:endParaRPr lang="fr-FR" b="0" i="0" dirty="0" smtClean="0">
                         <a:effectLst/>
                       </a:endParaRPr>
                     </a:p>
@@ -6393,15 +6417,15 @@
                         <a:buNone/>
                       </a:pPr>
                       <a:r>
-                        <a:rPr lang="fr-FR" i="1" dirty="0" smtClean="0"/>
+                        <a:rPr lang="fr-FR" i="0" dirty="0" smtClean="0"/>
                         <a:t>))</a:t>
                       </a:r>
-                      <a:endParaRPr lang="fr-FR" b="0" dirty="0" smtClean="0">
-                        <a:effectLst/>
-                      </a:endParaRPr>
-                    </a:p>
-                    <a:p>
-                      <a:endParaRPr lang="en-US" dirty="0"/>
+                      <a:endParaRPr lang="fr-FR" b="0" i="0" dirty="0" smtClean="0">
+                        <a:effectLst/>
+                      </a:endParaRPr>
+                    </a:p>
+                    <a:p>
+                      <a:endParaRPr lang="en-US" i="0" dirty="0"/>
                     </a:p>
                   </a:txBody>
                   <a:tcPr/>
@@ -6502,7 +6526,7 @@
               <a:t>The interpreter for </a:t>
             </a:r>
             <a:r>
-              <a:rPr lang="en-US" dirty="0">
+              <a:rPr lang="en-US" b="1" dirty="0">
                 <a:solidFill>
                   <a:srgbClr val="E84C22"/>
                 </a:solidFill>
@@ -6660,6 +6684,87 @@
       </p:par>
     </p:tnLst>
   </p:timing>
+</p:sld>
+</file>
+
+<file path=ppt/slides/slide8.xml><?xml version="1.0" encoding="utf-8"?>
+<p:sld xmlns:a="http://schemas.openxmlformats.org/drawingml/2006/main" xmlns:r="http://schemas.openxmlformats.org/officeDocument/2006/relationships" xmlns:p="http://schemas.openxmlformats.org/presentationml/2006/main">
+  <p:cSld>
+    <p:spTree>
+      <p:nvGrpSpPr>
+        <p:cNvPr id="1" name=""/>
+        <p:cNvGrpSpPr/>
+        <p:nvPr/>
+      </p:nvGrpSpPr>
+      <p:grpSpPr>
+        <a:xfrm>
+          <a:off x="0" y="0"/>
+          <a:ext cx="0" cy="0"/>
+          <a:chOff x="0" y="0"/>
+          <a:chExt cx="0" cy="0"/>
+        </a:xfrm>
+      </p:grpSpPr>
+      <p:sp>
+        <p:nvSpPr>
+          <p:cNvPr id="2" name="Title 1"/>
+          <p:cNvSpPr>
+            <a:spLocks noGrp="1"/>
+          </p:cNvSpPr>
+          <p:nvPr>
+            <p:ph type="title"/>
+          </p:nvPr>
+        </p:nvSpPr>
+        <p:spPr/>
+        <p:txBody>
+          <a:bodyPr/>
+          <a:lstStyle/>
+          <a:p>
+            <a:r>
+              <a:rPr lang="en-US" dirty="0" smtClean="0"/>
+              <a:t>Screenshots</a:t>
+            </a:r>
+            <a:endParaRPr lang="en-US" dirty="0"/>
+          </a:p>
+        </p:txBody>
+      </p:sp>
+      <p:pic>
+        <p:nvPicPr>
+          <p:cNvPr id="4" name="Content Placeholder 3"/>
+          <p:cNvPicPr>
+            <a:picLocks noGrp="1" noChangeAspect="1"/>
+          </p:cNvPicPr>
+          <p:nvPr>
+            <p:ph idx="1"/>
+          </p:nvPr>
+        </p:nvPicPr>
+        <p:blipFill rotWithShape="1">
+          <a:blip r:embed="rId2" cstate="print">
+            <a:extLst>
+              <a:ext uri="{28A0092B-C50C-407E-A947-70E740481C1C}">
+                <a14:useLocalDpi xmlns:a14="http://schemas.microsoft.com/office/drawing/2010/main" val="0"/>
+              </a:ext>
+            </a:extLst>
+          </a:blip>
+          <a:srcRect b="18475"/>
+          <a:stretch/>
+        </p:blipFill>
+        <p:spPr>
+          <a:xfrm>
+            <a:off x="1644331" y="1790701"/>
+            <a:ext cx="8798560" cy="4483099"/>
+          </a:xfrm>
+        </p:spPr>
+      </p:pic>
+    </p:spTree>
+    <p:extLst>
+      <p:ext uri="{BB962C8B-B14F-4D97-AF65-F5344CB8AC3E}">
+        <p14:creationId xmlns:p14="http://schemas.microsoft.com/office/powerpoint/2010/main" val="3615914805"/>
+      </p:ext>
+    </p:extLst>
+  </p:cSld>
+  <p:clrMapOvr>
+    <a:masterClrMapping/>
+  </p:clrMapOvr>
 </p:sld>
 </file>
 

--- a/doc/Team11_Presentation.pptx
+++ b/doc/Team11_Presentation.pptx
@@ -6721,7 +6721,7 @@
           <a:p>
             <a:r>
               <a:rPr lang="en-US" dirty="0" smtClean="0"/>
-              <a:t>Screenshots</a:t>
+              <a:t>Screenshot</a:t>
             </a:r>
             <a:endParaRPr lang="en-US" dirty="0"/>
           </a:p>
@@ -6755,6 +6755,37 @@
           </a:xfrm>
         </p:spPr>
       </p:pic>
+      <p:sp>
+        <p:nvSpPr>
+          <p:cNvPr id="3" name="TextBox 2"/>
+          <p:cNvSpPr txBox="1"/>
+          <p:nvPr/>
+        </p:nvSpPr>
+        <p:spPr>
+          <a:xfrm>
+            <a:off x="2633661" y="6375400"/>
+            <a:ext cx="6819900" cy="369332"/>
+          </a:xfrm>
+          <a:prstGeom prst="rect">
+            <a:avLst/>
+          </a:prstGeom>
+          <a:noFill/>
+        </p:spPr>
+        <p:txBody>
+          <a:bodyPr wrap="square" rtlCol="0">
+            <a:spAutoFit/>
+          </a:bodyPr>
+          <a:lstStyle/>
+          <a:p>
+            <a:pPr algn="ctr"/>
+            <a:r>
+              <a:rPr lang="en-US" i="1" dirty="0" smtClean="0"/>
+              <a:t>Compiling language for parsing and interpreting</a:t>
+            </a:r>
+            <a:endParaRPr lang="en-US" i="1" dirty="0"/>
+          </a:p>
+        </p:txBody>
+      </p:sp>
     </p:spTree>
     <p:extLst>
       <p:ext uri="{BB962C8B-B14F-4D97-AF65-F5344CB8AC3E}">
